--- a/课程PPT/21.JS标准内置对象-构造器（Error）及异常处理.pptx
+++ b/课程PPT/21.JS标准内置对象-构造器（Error）及异常处理.pptx
@@ -5,20 +5,20 @@
     <p:sldMasterId id="2147483648" r:id="rId1"/>
   </p:sldMasterIdLst>
   <p:notesMasterIdLst>
-    <p:notesMasterId r:id="rId10"/>
+    <p:notesMasterId r:id="rId5"/>
   </p:notesMasterIdLst>
   <p:handoutMasterIdLst>
-    <p:handoutMasterId r:id="rId11"/>
+    <p:handoutMasterId r:id="rId12"/>
   </p:handoutMasterIdLst>
   <p:sldIdLst>
-    <p:sldId id="1225" r:id="rId2"/>
-    <p:sldId id="1226" r:id="rId3"/>
-    <p:sldId id="1244" r:id="rId4"/>
-    <p:sldId id="1362" r:id="rId5"/>
-    <p:sldId id="1241" r:id="rId6"/>
-    <p:sldId id="1242" r:id="rId7"/>
-    <p:sldId id="1243" r:id="rId8"/>
-    <p:sldId id="1227" r:id="rId9"/>
+    <p:sldId id="1225" r:id="rId3"/>
+    <p:sldId id="1226" r:id="rId4"/>
+    <p:sldId id="1244" r:id="rId6"/>
+    <p:sldId id="1362" r:id="rId7"/>
+    <p:sldId id="1241" r:id="rId8"/>
+    <p:sldId id="1242" r:id="rId9"/>
+    <p:sldId id="1243" r:id="rId10"/>
+    <p:sldId id="1227" r:id="rId11"/>
   </p:sldIdLst>
   <p:sldSz cx="12192000" cy="6858000"/>
   <p:notesSz cx="6797675" cy="9928225"/>
@@ -232,7 +232,6 @@
           <a:p>
             <a:fld id="{0F9B84EA-7D68-4D60-9CB1-D50884785D1C}" type="datetimeFigureOut">
               <a:rPr lang="zh-CN" altLang="en-US" smtClean="0"/>
-              <a:t>2018/1/29</a:t>
             </a:fld>
             <a:endParaRPr lang="zh-CN" altLang="en-US"/>
           </a:p>
@@ -298,18 +297,12 @@
           <a:p>
             <a:fld id="{8D4E0FC9-F1F8-4FAE-9988-3BA365CFD46F}" type="slidenum">
               <a:rPr lang="zh-CN" altLang="en-US" smtClean="0"/>
-              <a:t>‹#›</a:t>
             </a:fld>
             <a:endParaRPr lang="zh-CN" altLang="en-US"/>
           </a:p>
         </p:txBody>
       </p:sp>
     </p:spTree>
-    <p:extLst>
-      <p:ext uri="{BB962C8B-B14F-4D97-AF65-F5344CB8AC3E}">
-        <p14:creationId xmlns:p14="http://schemas.microsoft.com/office/powerpoint/2010/main" val="3942999586"/>
-      </p:ext>
-    </p:extLst>
   </p:cSld>
   <p:clrMap bg1="lt1" tx1="dk1" bg2="lt2" tx2="dk2" accent1="accent1" accent2="accent2" accent3="accent3" accent4="accent4" accent5="accent5" accent6="accent6" hlink="hlink" folHlink="folHlink"/>
 </p:handoutMaster>
@@ -502,6 +495,7 @@
               <a:rPr lang="zh-CN" altLang="zh-CN" noProof="0" smtClean="0"/>
               <a:t>                                                   </a:t>
             </a:r>
+            <a:endParaRPr lang="zh-CN" altLang="zh-CN" noProof="0" smtClean="0"/>
           </a:p>
           <a:p>
             <a:pPr lvl="1"/>
@@ -509,6 +503,7 @@
               <a:rPr lang="zh-CN" altLang="zh-CN" noProof="0" smtClean="0"/>
               <a:t>               </a:t>
             </a:r>
+            <a:endParaRPr lang="zh-CN" altLang="zh-CN" noProof="0" smtClean="0"/>
           </a:p>
           <a:p>
             <a:pPr lvl="2"/>
@@ -516,6 +511,7 @@
               <a:rPr lang="zh-CN" altLang="zh-CN" noProof="0" smtClean="0"/>
               <a:t>                </a:t>
             </a:r>
+            <a:endParaRPr lang="zh-CN" altLang="zh-CN" noProof="0" smtClean="0"/>
           </a:p>
           <a:p>
             <a:pPr lvl="3"/>
@@ -523,6 +519,7 @@
               <a:rPr lang="zh-CN" altLang="zh-CN" noProof="0" smtClean="0"/>
               <a:t>                </a:t>
             </a:r>
+            <a:endParaRPr lang="zh-CN" altLang="zh-CN" noProof="0" smtClean="0"/>
           </a:p>
           <a:p>
             <a:pPr lvl="4"/>
@@ -530,6 +527,7 @@
               <a:rPr lang="zh-CN" altLang="zh-CN" noProof="0" smtClean="0"/>
               <a:t>                </a:t>
             </a:r>
+            <a:endParaRPr lang="zh-CN" altLang="zh-CN" noProof="0" smtClean="0"/>
           </a:p>
         </p:txBody>
       </p:sp>
@@ -612,18 +610,12 @@
           <a:p>
             <a:fld id="{D9AFD278-84AA-4CAA-9049-809825956FE0}" type="slidenum">
               <a:rPr lang="en-US" altLang="zh-CN"/>
-              <a:t>‹#›</a:t>
             </a:fld>
             <a:endParaRPr lang="zh-CN" altLang="zh-CN"/>
           </a:p>
         </p:txBody>
       </p:sp>
     </p:spTree>
-    <p:extLst>
-      <p:ext uri="{BB962C8B-B14F-4D97-AF65-F5344CB8AC3E}">
-        <p14:creationId xmlns:p14="http://schemas.microsoft.com/office/powerpoint/2010/main" val="4014419335"/>
-      </p:ext>
-    </p:extLst>
   </p:cSld>
   <p:clrMap bg1="lt1" tx1="dk1" bg2="lt2" tx2="dk2" accent1="accent1" accent2="accent2" accent3="accent3" accent4="accent4" accent5="accent5" accent6="accent6" hlink="hlink" folHlink="folHlink"/>
   <p:notesStyle>
@@ -1157,6 +1149,7 @@
               <a:rPr lang="zh-CN" altLang="en-US" dirty="0" smtClean="0"/>
               <a:t>单击此处编辑母版文本样式</a:t>
             </a:r>
+            <a:endParaRPr lang="zh-CN" altLang="en-US" dirty="0" smtClean="0"/>
           </a:p>
           <a:p>
             <a:pPr lvl="1"/>
@@ -1164,6 +1157,7 @@
               <a:rPr lang="zh-CN" altLang="en-US" dirty="0" smtClean="0"/>
               <a:t>第二级</a:t>
             </a:r>
+            <a:endParaRPr lang="zh-CN" altLang="en-US" dirty="0" smtClean="0"/>
           </a:p>
           <a:p>
             <a:pPr lvl="2"/>
@@ -1171,6 +1165,7 @@
               <a:rPr lang="zh-CN" altLang="en-US" dirty="0" smtClean="0"/>
               <a:t>第三级</a:t>
             </a:r>
+            <a:endParaRPr lang="zh-CN" altLang="en-US" dirty="0" smtClean="0"/>
           </a:p>
           <a:p>
             <a:pPr lvl="3"/>
@@ -1178,6 +1173,7 @@
               <a:rPr lang="zh-CN" altLang="en-US" dirty="0" smtClean="0"/>
               <a:t>第四级</a:t>
             </a:r>
+            <a:endParaRPr lang="zh-CN" altLang="en-US" dirty="0" smtClean="0"/>
           </a:p>
         </p:txBody>
       </p:sp>
@@ -1239,6 +1235,7 @@
               <a:rPr lang="zh-CN" altLang="en-US" dirty="0" smtClean="0"/>
               <a:t>单击此处编辑母版文本样式</a:t>
             </a:r>
+            <a:endParaRPr lang="zh-CN" altLang="en-US" dirty="0" smtClean="0"/>
           </a:p>
         </p:txBody>
       </p:sp>
@@ -1295,7 +1292,6 @@
           <a:p>
             <a:fld id="{2030C94F-1E7C-47E3-9C60-176A530B03BF}" type="slidenum">
               <a:rPr lang="en-US" altLang="zh-CN"/>
-              <a:t>‹#›</a:t>
             </a:fld>
             <a:endParaRPr lang="zh-CN" altLang="zh-CN" sz="3200" b="0"/>
           </a:p>
@@ -1386,6 +1382,7 @@
               <a:rPr lang="zh-CN" altLang="en-US" dirty="0" smtClean="0"/>
               <a:t>单击此处编辑母版文本样式</a:t>
             </a:r>
+            <a:endParaRPr lang="zh-CN" altLang="en-US" dirty="0" smtClean="0"/>
           </a:p>
           <a:p>
             <a:pPr lvl="1"/>
@@ -1393,6 +1390,7 @@
               <a:rPr lang="zh-CN" altLang="en-US" dirty="0" smtClean="0"/>
               <a:t>第二级</a:t>
             </a:r>
+            <a:endParaRPr lang="zh-CN" altLang="en-US" dirty="0" smtClean="0"/>
           </a:p>
           <a:p>
             <a:pPr lvl="2"/>
@@ -1400,6 +1398,7 @@
               <a:rPr lang="zh-CN" altLang="en-US" dirty="0" smtClean="0"/>
               <a:t>第三级</a:t>
             </a:r>
+            <a:endParaRPr lang="zh-CN" altLang="en-US" dirty="0" smtClean="0"/>
           </a:p>
           <a:p>
             <a:pPr lvl="3"/>
@@ -1407,6 +1406,7 @@
               <a:rPr lang="zh-CN" altLang="en-US" dirty="0" smtClean="0"/>
               <a:t>第四级</a:t>
             </a:r>
+            <a:endParaRPr lang="zh-CN" altLang="en-US" dirty="0" smtClean="0"/>
           </a:p>
         </p:txBody>
       </p:sp>
@@ -1464,6 +1464,7 @@
               <a:rPr lang="zh-CN" altLang="en-US" dirty="0" smtClean="0"/>
               <a:t>单击此处编辑母版文本样式</a:t>
             </a:r>
+            <a:endParaRPr lang="zh-CN" altLang="en-US" dirty="0" smtClean="0"/>
           </a:p>
         </p:txBody>
       </p:sp>
@@ -1545,6 +1546,7 @@
               <a:rPr lang="zh-CN" altLang="en-US" dirty="0" smtClean="0"/>
               <a:t>单击此处编辑母版文本样式</a:t>
             </a:r>
+            <a:endParaRPr lang="zh-CN" altLang="en-US" dirty="0" smtClean="0"/>
           </a:p>
           <a:p>
             <a:pPr lvl="1"/>
@@ -1552,6 +1554,7 @@
               <a:rPr lang="zh-CN" altLang="en-US" dirty="0" smtClean="0"/>
               <a:t>第二级</a:t>
             </a:r>
+            <a:endParaRPr lang="zh-CN" altLang="en-US" dirty="0" smtClean="0"/>
           </a:p>
           <a:p>
             <a:pPr lvl="2"/>
@@ -1559,6 +1562,7 @@
               <a:rPr lang="zh-CN" altLang="en-US" dirty="0" smtClean="0"/>
               <a:t>第三级</a:t>
             </a:r>
+            <a:endParaRPr lang="zh-CN" altLang="en-US" dirty="0" smtClean="0"/>
           </a:p>
           <a:p>
             <a:pPr lvl="3"/>
@@ -1566,6 +1570,7 @@
               <a:rPr lang="zh-CN" altLang="en-US" dirty="0" smtClean="0"/>
               <a:t>第四级</a:t>
             </a:r>
+            <a:endParaRPr lang="zh-CN" altLang="en-US" dirty="0" smtClean="0"/>
           </a:p>
         </p:txBody>
       </p:sp>
@@ -1623,6 +1628,7 @@
               <a:rPr lang="zh-CN" altLang="en-US" dirty="0" smtClean="0"/>
               <a:t>单击此处编辑母版文本样式</a:t>
             </a:r>
+            <a:endParaRPr lang="zh-CN" altLang="en-US" dirty="0" smtClean="0"/>
           </a:p>
         </p:txBody>
       </p:sp>
@@ -1704,6 +1710,7 @@
               <a:rPr lang="zh-CN" altLang="en-US" dirty="0" smtClean="0"/>
               <a:t>单击此处编辑母版文本样式</a:t>
             </a:r>
+            <a:endParaRPr lang="zh-CN" altLang="en-US" dirty="0" smtClean="0"/>
           </a:p>
           <a:p>
             <a:pPr lvl="1"/>
@@ -1711,6 +1718,7 @@
               <a:rPr lang="zh-CN" altLang="en-US" dirty="0" smtClean="0"/>
               <a:t>第二级</a:t>
             </a:r>
+            <a:endParaRPr lang="zh-CN" altLang="en-US" dirty="0" smtClean="0"/>
           </a:p>
           <a:p>
             <a:pPr lvl="2"/>
@@ -1718,6 +1726,7 @@
               <a:rPr lang="zh-CN" altLang="en-US" dirty="0" smtClean="0"/>
               <a:t>第三级</a:t>
             </a:r>
+            <a:endParaRPr lang="zh-CN" altLang="en-US" dirty="0" smtClean="0"/>
           </a:p>
           <a:p>
             <a:pPr lvl="3"/>
@@ -1725,6 +1734,7 @@
               <a:rPr lang="zh-CN" altLang="en-US" dirty="0" smtClean="0"/>
               <a:t>第四级</a:t>
             </a:r>
+            <a:endParaRPr lang="zh-CN" altLang="en-US" dirty="0" smtClean="0"/>
           </a:p>
         </p:txBody>
       </p:sp>
@@ -1782,6 +1792,7 @@
               <a:rPr lang="zh-CN" altLang="en-US" dirty="0" smtClean="0"/>
               <a:t>单击此处编辑母版文本样式</a:t>
             </a:r>
+            <a:endParaRPr lang="zh-CN" altLang="en-US" dirty="0" smtClean="0"/>
           </a:p>
         </p:txBody>
       </p:sp>
@@ -1863,6 +1874,7 @@
               <a:rPr lang="zh-CN" altLang="en-US" dirty="0" smtClean="0"/>
               <a:t>单击此处编辑母版文本样式</a:t>
             </a:r>
+            <a:endParaRPr lang="zh-CN" altLang="en-US" dirty="0" smtClean="0"/>
           </a:p>
           <a:p>
             <a:pPr lvl="1"/>
@@ -1870,6 +1882,7 @@
               <a:rPr lang="zh-CN" altLang="en-US" dirty="0" smtClean="0"/>
               <a:t>第二级</a:t>
             </a:r>
+            <a:endParaRPr lang="zh-CN" altLang="en-US" dirty="0" smtClean="0"/>
           </a:p>
           <a:p>
             <a:pPr lvl="2"/>
@@ -1877,6 +1890,7 @@
               <a:rPr lang="zh-CN" altLang="en-US" dirty="0" smtClean="0"/>
               <a:t>第三级</a:t>
             </a:r>
+            <a:endParaRPr lang="zh-CN" altLang="en-US" dirty="0" smtClean="0"/>
           </a:p>
           <a:p>
             <a:pPr lvl="3"/>
@@ -1884,6 +1898,7 @@
               <a:rPr lang="zh-CN" altLang="en-US" dirty="0" smtClean="0"/>
               <a:t>第四级</a:t>
             </a:r>
+            <a:endParaRPr lang="zh-CN" altLang="en-US" dirty="0" smtClean="0"/>
           </a:p>
         </p:txBody>
       </p:sp>
@@ -1941,6 +1956,7 @@
               <a:rPr lang="zh-CN" altLang="en-US" dirty="0" smtClean="0"/>
               <a:t>单击此处编辑母版文本样式</a:t>
             </a:r>
+            <a:endParaRPr lang="zh-CN" altLang="en-US" dirty="0" smtClean="0"/>
           </a:p>
         </p:txBody>
       </p:sp>
@@ -2022,6 +2038,7 @@
               <a:rPr lang="zh-CN" altLang="en-US" dirty="0" smtClean="0"/>
               <a:t>单击此处编辑母版文本样式</a:t>
             </a:r>
+            <a:endParaRPr lang="zh-CN" altLang="en-US" dirty="0" smtClean="0"/>
           </a:p>
           <a:p>
             <a:pPr lvl="1"/>
@@ -2029,6 +2046,7 @@
               <a:rPr lang="zh-CN" altLang="en-US" dirty="0" smtClean="0"/>
               <a:t>第二级</a:t>
             </a:r>
+            <a:endParaRPr lang="zh-CN" altLang="en-US" dirty="0" smtClean="0"/>
           </a:p>
           <a:p>
             <a:pPr lvl="2"/>
@@ -2036,6 +2054,7 @@
               <a:rPr lang="zh-CN" altLang="en-US" dirty="0" smtClean="0"/>
               <a:t>第三级</a:t>
             </a:r>
+            <a:endParaRPr lang="zh-CN" altLang="en-US" dirty="0" smtClean="0"/>
           </a:p>
           <a:p>
             <a:pPr lvl="3"/>
@@ -2043,6 +2062,7 @@
               <a:rPr lang="zh-CN" altLang="en-US" dirty="0" smtClean="0"/>
               <a:t>第四级</a:t>
             </a:r>
+            <a:endParaRPr lang="zh-CN" altLang="en-US" dirty="0" smtClean="0"/>
           </a:p>
         </p:txBody>
       </p:sp>
@@ -2100,6 +2120,7 @@
               <a:rPr lang="zh-CN" altLang="en-US" dirty="0" smtClean="0"/>
               <a:t>单击此处编辑母版文本样式</a:t>
             </a:r>
+            <a:endParaRPr lang="zh-CN" altLang="en-US" dirty="0" smtClean="0"/>
           </a:p>
         </p:txBody>
       </p:sp>
@@ -2181,6 +2202,7 @@
               <a:rPr lang="zh-CN" altLang="en-US" dirty="0" smtClean="0"/>
               <a:t>单击此处编辑母版文本样式</a:t>
             </a:r>
+            <a:endParaRPr lang="zh-CN" altLang="en-US" dirty="0" smtClean="0"/>
           </a:p>
           <a:p>
             <a:pPr lvl="1"/>
@@ -2188,6 +2210,7 @@
               <a:rPr lang="zh-CN" altLang="en-US" dirty="0" smtClean="0"/>
               <a:t>第二级</a:t>
             </a:r>
+            <a:endParaRPr lang="zh-CN" altLang="en-US" dirty="0" smtClean="0"/>
           </a:p>
           <a:p>
             <a:pPr lvl="2"/>
@@ -2195,6 +2218,7 @@
               <a:rPr lang="zh-CN" altLang="en-US" dirty="0" smtClean="0"/>
               <a:t>第三级</a:t>
             </a:r>
+            <a:endParaRPr lang="zh-CN" altLang="en-US" dirty="0" smtClean="0"/>
           </a:p>
           <a:p>
             <a:pPr lvl="3"/>
@@ -2202,6 +2226,7 @@
               <a:rPr lang="zh-CN" altLang="en-US" dirty="0" smtClean="0"/>
               <a:t>第四级</a:t>
             </a:r>
+            <a:endParaRPr lang="zh-CN" altLang="en-US" dirty="0" smtClean="0"/>
           </a:p>
         </p:txBody>
       </p:sp>
@@ -2259,6 +2284,7 @@
               <a:rPr lang="zh-CN" altLang="en-US" dirty="0" smtClean="0"/>
               <a:t>单击此处编辑母版文本样式</a:t>
             </a:r>
+            <a:endParaRPr lang="zh-CN" altLang="en-US" dirty="0" smtClean="0"/>
           </a:p>
         </p:txBody>
       </p:sp>
@@ -2352,6 +2378,7 @@
               <a:rPr lang="zh-CN" altLang="en-US" dirty="0" smtClean="0"/>
               <a:t>单击此处编辑母版文本样式</a:t>
             </a:r>
+            <a:endParaRPr lang="zh-CN" altLang="en-US" dirty="0" smtClean="0"/>
           </a:p>
           <a:p>
             <a:pPr lvl="1"/>
@@ -2359,6 +2386,7 @@
               <a:rPr lang="zh-CN" altLang="en-US" dirty="0" smtClean="0"/>
               <a:t>第二级</a:t>
             </a:r>
+            <a:endParaRPr lang="zh-CN" altLang="en-US" dirty="0" smtClean="0"/>
           </a:p>
           <a:p>
             <a:pPr lvl="2"/>
@@ -2366,6 +2394,7 @@
               <a:rPr lang="zh-CN" altLang="en-US" dirty="0" smtClean="0"/>
               <a:t>第三级</a:t>
             </a:r>
+            <a:endParaRPr lang="zh-CN" altLang="en-US" dirty="0" smtClean="0"/>
           </a:p>
           <a:p>
             <a:pPr lvl="3"/>
@@ -2373,6 +2402,7 @@
               <a:rPr lang="zh-CN" altLang="en-US" dirty="0" smtClean="0"/>
               <a:t>第四级</a:t>
             </a:r>
+            <a:endParaRPr lang="zh-CN" altLang="en-US" dirty="0" smtClean="0"/>
           </a:p>
         </p:txBody>
       </p:sp>
@@ -2434,6 +2464,7 @@
               <a:rPr lang="zh-CN" altLang="en-US" dirty="0" smtClean="0"/>
               <a:t>单击此处编辑母版文本样式</a:t>
             </a:r>
+            <a:endParaRPr lang="zh-CN" altLang="en-US" dirty="0" smtClean="0"/>
           </a:p>
         </p:txBody>
       </p:sp>
@@ -2458,7 +2489,7 @@
     <p:bg bwMode="auto">
       <p:bgPr>
         <a:blipFill dpi="0" rotWithShape="0">
-          <a:blip r:embed="rId11"/>
+          <a:blip r:embed="rId10"/>
           <a:srcRect/>
           <a:stretch>
             <a:fillRect/>
@@ -2517,7 +2548,6 @@
           <a:p>
             <a:fld id="{43A45880-9E2A-43E4-955C-AEB11E14255E}" type="slidenum">
               <a:rPr lang="en-US" altLang="zh-CN"/>
-              <a:t>‹#›</a:t>
             </a:fld>
             <a:endParaRPr lang="zh-CN" altLang="zh-CN"/>
           </a:p>
@@ -2532,7 +2562,7 @@
           <p:nvPr/>
         </p:nvPicPr>
         <p:blipFill>
-          <a:blip r:embed="rId12">
+          <a:blip r:embed="rId11">
             <a:extLst>
               <a:ext uri="{28A0092B-C50C-407E-A947-70E740481C1C}">
                 <a14:useLocalDpi xmlns:a14="http://schemas.microsoft.com/office/drawing/2010/main" val="0"/>
@@ -2586,7 +2616,7 @@
           <p:nvPr/>
         </p:nvPicPr>
         <p:blipFill>
-          <a:blip r:embed="rId13">
+          <a:blip r:embed="rId12">
             <a:extLst>
               <a:ext uri="{28A0092B-C50C-407E-A947-70E740481C1C}">
                 <a14:useLocalDpi xmlns:a14="http://schemas.microsoft.com/office/drawing/2010/main" val="0"/>
@@ -3099,7 +3129,7 @@
           <p:nvPr/>
         </p:nvPicPr>
         <p:blipFill>
-          <a:blip r:embed="rId2">
+          <a:blip r:embed="rId1">
             <a:extLst>
               <a:ext uri="{28A0092B-C50C-407E-A947-70E740481C1C}">
                 <a14:useLocalDpi xmlns:a14="http://schemas.microsoft.com/office/drawing/2010/main" val="0"/>
@@ -3393,7 +3423,7 @@
           <p:nvPr/>
         </p:nvPicPr>
         <p:blipFill>
-          <a:blip r:embed="rId3">
+          <a:blip r:embed="rId2">
             <a:extLst>
               <a:ext uri="{28A0092B-C50C-407E-A947-70E740481C1C}">
                 <a14:useLocalDpi xmlns:a14="http://schemas.microsoft.com/office/drawing/2010/main" val="0"/>
@@ -3651,6 +3681,12 @@
               </a:rPr>
               <a:t>异常处理</a:t>
             </a:r>
+            <a:endParaRPr lang="zh-CN" altLang="en-US" sz="2800" b="1">
+              <a:solidFill>
+                <a:srgbClr val="FF0000"/>
+              </a:solidFill>
+              <a:sym typeface="+mn-ea"/>
+            </a:endParaRPr>
           </a:p>
           <a:p>
             <a:pPr algn="l">
@@ -3687,6 +3723,12 @@
               </a:rPr>
               <a:t>对象及其子对象</a:t>
             </a:r>
+            <a:endParaRPr lang="zh-CN" altLang="en-US" sz="2800" b="1">
+              <a:solidFill>
+                <a:schemeClr val="tx1"/>
+              </a:solidFill>
+              <a:sym typeface="+mn-ea"/>
+            </a:endParaRPr>
           </a:p>
         </p:txBody>
       </p:sp>
@@ -3953,7 +3995,7 @@
         <p:spPr>
           <a:xfrm>
             <a:off x="927735" y="783590"/>
-            <a:ext cx="9776460" cy="5269230"/>
+            <a:ext cx="10110470" cy="5269230"/>
           </a:xfrm>
         </p:spPr>
         <p:txBody>
@@ -3981,7 +4023,47 @@
                 </a:solidFill>
                 <a:sym typeface="+mn-ea"/>
               </a:rPr>
-              <a:t>中异常处理概述及异常处理的语法</a:t>
+              <a:t>中异常处理的作用（处理程序运行时出现的意异常）</a:t>
+            </a:r>
+            <a:endParaRPr lang="zh-CN" altLang="en-US" sz="3200" dirty="0">
+              <a:solidFill>
+                <a:schemeClr val="tx1"/>
+              </a:solidFill>
+              <a:sym typeface="+mn-ea"/>
+            </a:endParaRPr>
+          </a:p>
+          <a:p>
+            <a:pPr>
+              <a:lnSpc>
+                <a:spcPct val="140000"/>
+              </a:lnSpc>
+            </a:pPr>
+            <a:r>
+              <a:rPr lang="zh-CN" altLang="en-US" sz="3200" dirty="0">
+                <a:solidFill>
+                  <a:schemeClr val="tx1"/>
+                </a:solidFill>
+                <a:sym typeface="+mn-ea"/>
+              </a:rPr>
+              <a:t>异常处理语法（</a:t>
+            </a:r>
+            <a:r>
+              <a:rPr lang="en-US" altLang="zh-CN" sz="3200" dirty="0">
+                <a:solidFill>
+                  <a:schemeClr val="tx1"/>
+                </a:solidFill>
+                <a:sym typeface="+mn-ea"/>
+              </a:rPr>
+              <a:t>try catch finally</a:t>
+            </a:r>
+            <a:r>
+              <a:rPr lang="zh-CN" altLang="en-US" sz="3200" dirty="0">
+                <a:solidFill>
+                  <a:schemeClr val="tx1"/>
+                </a:solidFill>
+                <a:sym typeface="+mn-ea"/>
+              </a:rPr>
+              <a:t>）</a:t>
             </a:r>
             <a:br>
               <a:rPr lang="zh-CN" altLang="en-US" sz="3200" dirty="0">
@@ -3991,15 +4073,6 @@
                 <a:sym typeface="+mn-ea"/>
               </a:rPr>
             </a:br>
-            <a:r>
-              <a:rPr lang="zh-CN" altLang="en-US" sz="3200" dirty="0">
-                <a:solidFill>
-                  <a:schemeClr val="tx1"/>
-                </a:solidFill>
-                <a:sym typeface="+mn-ea"/>
-              </a:rPr>
-              <a:t/>
-            </a:r>
             <a:br>
               <a:rPr lang="zh-CN" altLang="en-US" sz="3200" dirty="0">
                 <a:solidFill>
@@ -4054,6 +4127,7 @@
               <a:rPr lang="zh-CN" altLang="en-US" dirty="0"/>
               <a:t>异常处理</a:t>
             </a:r>
+            <a:endParaRPr lang="zh-CN" altLang="en-US" dirty="0"/>
           </a:p>
         </p:txBody>
       </p:sp>
@@ -4120,15 +4194,15 @@
           <p:nvPr/>
         </p:nvPicPr>
         <p:blipFill>
-          <a:blip r:embed="rId3"/>
+          <a:blip r:embed="rId1"/>
           <a:stretch>
             <a:fillRect/>
           </a:stretch>
         </p:blipFill>
         <p:spPr>
           <a:xfrm>
-            <a:off x="1202055" y="1652270"/>
-            <a:ext cx="6022340" cy="4344035"/>
+            <a:off x="1202055" y="2426970"/>
+            <a:ext cx="4948555" cy="3569335"/>
           </a:xfrm>
           <a:prstGeom prst="rect">
             <a:avLst/>
@@ -4302,21 +4376,124 @@
                             </p:childTnLst>
                           </p:cTn>
                         </p:par>
+                      </p:childTnLst>
+                    </p:cTn>
+                  </p:par>
+                  <p:par>
+                    <p:cTn id="9" fill="hold">
+                      <p:stCondLst>
+                        <p:cond delay="indefinite"/>
+                      </p:stCondLst>
+                      <p:childTnLst>
                         <p:par>
-                          <p:cTn id="9" fill="hold">
+                          <p:cTn id="10" fill="hold">
                             <p:stCondLst>
-                              <p:cond delay="500"/>
+                              <p:cond delay="0"/>
                             </p:stCondLst>
                             <p:childTnLst>
                               <p:par>
-                                <p:cTn id="10" presetID="2" presetClass="entr" presetSubtype="4" fill="hold" nodeType="afterEffect">
+                                <p:cTn id="11" presetID="2" presetClass="entr" presetSubtype="4" fill="hold" nodeType="clickEffect">
                                   <p:stCondLst>
                                     <p:cond delay="0"/>
                                   </p:stCondLst>
                                   <p:childTnLst>
                                     <p:set>
                                       <p:cBhvr>
-                                        <p:cTn id="11" dur="1" fill="hold">
+                                        <p:cTn id="12" dur="1" fill="hold">
+                                          <p:stCondLst>
+                                            <p:cond delay="0"/>
+                                          </p:stCondLst>
+                                        </p:cTn>
+                                        <p:tgtEl>
+                                          <p:spTgt spid="2">
+                                            <p:txEl>
+                                              <p:pRg st="1" end="1"/>
+                                            </p:txEl>
+                                          </p:spTgt>
+                                        </p:tgtEl>
+                                        <p:attrNameLst>
+                                          <p:attrName>style.visibility</p:attrName>
+                                        </p:attrNameLst>
+                                      </p:cBhvr>
+                                      <p:to>
+                                        <p:strVal val="visible"/>
+                                      </p:to>
+                                    </p:set>
+                                    <p:anim calcmode="lin" valueType="num">
+                                      <p:cBhvr additive="base">
+                                        <p:cTn id="13" dur="500" fill="hold"/>
+                                        <p:tgtEl>
+                                          <p:spTgt spid="2">
+                                            <p:txEl>
+                                              <p:pRg st="1" end="1"/>
+                                            </p:txEl>
+                                          </p:spTgt>
+                                        </p:tgtEl>
+                                        <p:attrNameLst>
+                                          <p:attrName>ppt_x</p:attrName>
+                                        </p:attrNameLst>
+                                      </p:cBhvr>
+                                      <p:tavLst>
+                                        <p:tav tm="0">
+                                          <p:val>
+                                            <p:strVal val="#ppt_x"/>
+                                          </p:val>
+                                        </p:tav>
+                                        <p:tav tm="100000">
+                                          <p:val>
+                                            <p:strVal val="#ppt_x"/>
+                                          </p:val>
+                                        </p:tav>
+                                      </p:tavLst>
+                                    </p:anim>
+                                    <p:anim calcmode="lin" valueType="num">
+                                      <p:cBhvr additive="base">
+                                        <p:cTn id="14" dur="500" fill="hold"/>
+                                        <p:tgtEl>
+                                          <p:spTgt spid="2">
+                                            <p:txEl>
+                                              <p:pRg st="1" end="1"/>
+                                            </p:txEl>
+                                          </p:spTgt>
+                                        </p:tgtEl>
+                                        <p:attrNameLst>
+                                          <p:attrName>ppt_y</p:attrName>
+                                        </p:attrNameLst>
+                                      </p:cBhvr>
+                                      <p:tavLst>
+                                        <p:tav tm="0">
+                                          <p:val>
+                                            <p:strVal val="1+#ppt_h/2"/>
+                                          </p:val>
+                                        </p:tav>
+                                        <p:tav tm="100000">
+                                          <p:val>
+                                            <p:strVal val="#ppt_y"/>
+                                          </p:val>
+                                        </p:tav>
+                                      </p:tavLst>
+                                    </p:anim>
+                                  </p:childTnLst>
+                                </p:cTn>
+                              </p:par>
+                            </p:childTnLst>
+                          </p:cTn>
+                        </p:par>
+                        <p:par>
+                          <p:cTn id="15" fill="hold">
+                            <p:stCondLst>
+                              <p:cond delay="500"/>
+                            </p:stCondLst>
+                            <p:childTnLst>
+                              <p:par>
+                                <p:cTn id="16" presetID="2" presetClass="entr" presetSubtype="4" fill="hold" nodeType="afterEffect">
+                                  <p:stCondLst>
+                                    <p:cond delay="0"/>
+                                  </p:stCondLst>
+                                  <p:childTnLst>
+                                    <p:set>
+                                      <p:cBhvr>
+                                        <p:cTn id="17" dur="1" fill="hold">
                                           <p:stCondLst>
                                             <p:cond delay="0"/>
                                           </p:stCondLst>
@@ -4334,7 +4511,7 @@
                                     </p:set>
                                     <p:anim calcmode="lin" valueType="num">
                                       <p:cBhvr additive="base">
-                                        <p:cTn id="12" dur="500" fill="hold"/>
+                                        <p:cTn id="18" dur="500" fill="hold"/>
                                         <p:tgtEl>
                                           <p:spTgt spid="7"/>
                                         </p:tgtEl>
@@ -4357,7 +4534,7 @@
                                     </p:anim>
                                     <p:anim calcmode="lin" valueType="num">
                                       <p:cBhvr additive="base">
-                                        <p:cTn id="13" dur="500" fill="hold"/>
+                                        <p:cTn id="19" dur="500" fill="hold"/>
                                         <p:tgtEl>
                                           <p:spTgt spid="7"/>
                                         </p:tgtEl>
@@ -4388,26 +4565,26 @@
                     </p:cTn>
                   </p:par>
                   <p:par>
-                    <p:cTn id="14" fill="hold">
+                    <p:cTn id="20" fill="hold">
                       <p:stCondLst>
                         <p:cond delay="indefinite"/>
                       </p:stCondLst>
                       <p:childTnLst>
                         <p:par>
-                          <p:cTn id="15" fill="hold">
+                          <p:cTn id="21" fill="hold">
                             <p:stCondLst>
                               <p:cond delay="0"/>
                             </p:stCondLst>
                             <p:childTnLst>
                               <p:par>
-                                <p:cTn id="16" presetID="2" presetClass="entr" presetSubtype="4" fill="hold" grpId="0" nodeType="clickEffect">
+                                <p:cTn id="22" presetID="2" presetClass="entr" presetSubtype="4" fill="hold" grpId="0" nodeType="clickEffect">
                                   <p:stCondLst>
                                     <p:cond delay="0"/>
                                   </p:stCondLst>
                                   <p:childTnLst>
                                     <p:set>
                                       <p:cBhvr>
-                                        <p:cTn id="17" dur="1" fill="hold">
+                                        <p:cTn id="23" dur="1" fill="hold">
                                           <p:stCondLst>
                                             <p:cond delay="0"/>
                                           </p:stCondLst>
@@ -4425,7 +4602,7 @@
                                     </p:set>
                                     <p:anim calcmode="lin" valueType="num">
                                       <p:cBhvr additive="base">
-                                        <p:cTn id="18" dur="500" fill="hold"/>
+                                        <p:cTn id="24" dur="500" fill="hold"/>
                                         <p:tgtEl>
                                           <p:spTgt spid="5"/>
                                         </p:tgtEl>
@@ -4448,7 +4625,7 @@
                                     </p:anim>
                                     <p:anim calcmode="lin" valueType="num">
                                       <p:cBhvr additive="base">
-                                        <p:cTn id="19" dur="500" fill="hold"/>
+                                        <p:cTn id="25" dur="500" fill="hold"/>
                                         <p:tgtEl>
                                           <p:spTgt spid="5"/>
                                         </p:tgtEl>
@@ -4476,20 +4653,20 @@
                           </p:cTn>
                         </p:par>
                         <p:par>
-                          <p:cTn id="20" fill="hold">
+                          <p:cTn id="26" fill="hold">
                             <p:stCondLst>
                               <p:cond delay="500"/>
                             </p:stCondLst>
                             <p:childTnLst>
                               <p:par>
-                                <p:cTn id="21" presetID="2" presetClass="entr" presetSubtype="4" fill="hold" grpId="0" nodeType="afterEffect">
+                                <p:cTn id="27" presetID="2" presetClass="entr" presetSubtype="4" fill="hold" grpId="0" nodeType="afterEffect">
                                   <p:stCondLst>
                                     <p:cond delay="0"/>
                                   </p:stCondLst>
                                   <p:childTnLst>
                                     <p:set>
                                       <p:cBhvr>
-                                        <p:cTn id="22" dur="1" fill="hold">
+                                        <p:cTn id="28" dur="1" fill="hold">
                                           <p:stCondLst>
                                             <p:cond delay="0"/>
                                           </p:stCondLst>
@@ -4507,7 +4684,7 @@
                                     </p:set>
                                     <p:anim calcmode="lin" valueType="num">
                                       <p:cBhvr additive="base">
-                                        <p:cTn id="23" dur="500" fill="hold"/>
+                                        <p:cTn id="29" dur="500" fill="hold"/>
                                         <p:tgtEl>
                                           <p:spTgt spid="6"/>
                                         </p:tgtEl>
@@ -4530,7 +4707,7 @@
                                     </p:anim>
                                     <p:anim calcmode="lin" valueType="num">
                                       <p:cBhvr additive="base">
-                                        <p:cTn id="24" dur="500" fill="hold"/>
+                                        <p:cTn id="30" dur="500" fill="hold"/>
                                         <p:tgtEl>
                                           <p:spTgt spid="6"/>
                                         </p:tgtEl>
@@ -4657,15 +4834,6 @@
                 <a:sym typeface="+mn-ea"/>
               </a:rPr>
             </a:br>
-            <a:r>
-              <a:rPr lang="zh-CN" altLang="en-US" sz="3200" dirty="0">
-                <a:solidFill>
-                  <a:schemeClr val="tx1"/>
-                </a:solidFill>
-                <a:sym typeface="+mn-ea"/>
-              </a:rPr>
-              <a:t/>
-            </a:r>
             <a:br>
               <a:rPr lang="zh-CN" altLang="en-US" sz="3200" dirty="0">
                 <a:solidFill>
@@ -4720,6 +4888,7 @@
               <a:rPr lang="zh-CN" altLang="en-US" dirty="0"/>
               <a:t>异常处理</a:t>
             </a:r>
+            <a:endParaRPr lang="zh-CN" altLang="en-US" dirty="0"/>
           </a:p>
         </p:txBody>
       </p:sp>
@@ -4818,7 +4987,7 @@
           <p:nvPr/>
         </p:nvPicPr>
         <p:blipFill>
-          <a:blip r:embed="rId3"/>
+          <a:blip r:embed="rId1"/>
           <a:stretch>
             <a:fillRect/>
           </a:stretch>
@@ -5338,6 +5507,12 @@
               </a:rPr>
               <a:t>异常处理</a:t>
             </a:r>
+            <a:endParaRPr lang="zh-CN" altLang="en-US" sz="2800" b="1">
+              <a:solidFill>
+                <a:schemeClr val="tx1"/>
+              </a:solidFill>
+              <a:sym typeface="+mn-ea"/>
+            </a:endParaRPr>
           </a:p>
           <a:p>
             <a:pPr algn="l">
@@ -5374,6 +5549,12 @@
               </a:rPr>
               <a:t>对象及其子对象</a:t>
             </a:r>
+            <a:endParaRPr lang="zh-CN" altLang="en-US" sz="2800" b="1">
+              <a:solidFill>
+                <a:srgbClr val="FF0000"/>
+              </a:solidFill>
+              <a:sym typeface="+mn-ea"/>
+            </a:endParaRPr>
           </a:p>
         </p:txBody>
       </p:sp>
@@ -5739,6 +5920,12 @@
               </a:rPr>
               <a:t>有些错误是可以控制和避免的，有些是不可控的（比如来自用户输入等第三方的操作）</a:t>
             </a:r>
+            <a:endParaRPr lang="zh-CN" altLang="en-US" sz="1800" dirty="0">
+              <a:solidFill>
+                <a:schemeClr val="tx1"/>
+              </a:solidFill>
+              <a:sym typeface="+mn-ea"/>
+            </a:endParaRPr>
           </a:p>
           <a:p>
             <a:pPr>
@@ -5790,6 +5977,12 @@
               </a:rPr>
               <a:t>优化代码避免可控错误，对不可控错误需要使用异常处理来进行处理，避免程序直接崩溃</a:t>
             </a:r>
+            <a:endParaRPr lang="zh-CN" altLang="en-US" sz="1800" dirty="0">
+              <a:solidFill>
+                <a:schemeClr val="tx1"/>
+              </a:solidFill>
+              <a:sym typeface="+mn-ea"/>
+            </a:endParaRPr>
           </a:p>
           <a:p>
             <a:pPr>
@@ -5841,15 +6034,6 @@
               </a:rPr>
               <a:t>会抛出一个错误对象，可以对此对象进行捕获和处理</a:t>
             </a:r>
-            <a:r>
-              <a:rPr lang="en-US" altLang="zh-CN" sz="1800" dirty="0">
-                <a:solidFill>
-                  <a:schemeClr val="tx1"/>
-                </a:solidFill>
-                <a:sym typeface="+mn-ea"/>
-              </a:rPr>
-              <a:t/>
-            </a:r>
             <a:br>
               <a:rPr lang="en-US" altLang="zh-CN" sz="1800" dirty="0">
                 <a:solidFill>
@@ -6000,15 +6184,6 @@
                 <a:sym typeface="+mn-ea"/>
               </a:rPr>
               <a:t>“”</a:t>
-            </a:r>
-            <a:r>
-              <a:rPr lang="zh-CN" altLang="en-US" sz="3200" dirty="0">
-                <a:solidFill>
-                  <a:schemeClr val="tx1"/>
-                </a:solidFill>
-                <a:sym typeface="+mn-ea"/>
-              </a:rPr>
-              <a:t/>
             </a:r>
             <a:br>
               <a:rPr lang="zh-CN" altLang="en-US" sz="3200" dirty="0">
@@ -6086,6 +6261,7 @@
               <a:rPr lang="zh-CN" altLang="en-US" dirty="0"/>
               <a:t>对象</a:t>
             </a:r>
+            <a:endParaRPr lang="zh-CN" altLang="en-US" dirty="0"/>
           </a:p>
         </p:txBody>
       </p:sp>
@@ -6651,15 +6827,6 @@
               </a:rPr>
               <a:t>的子类</a:t>
             </a:r>
-            <a:r>
-              <a:rPr lang="en-US" altLang="zh-CN" sz="2000" dirty="0">
-                <a:solidFill>
-                  <a:schemeClr val="tx1"/>
-                </a:solidFill>
-                <a:sym typeface="+mn-ea"/>
-              </a:rPr>
-              <a:t/>
-            </a:r>
             <a:br>
               <a:rPr lang="en-US" altLang="zh-CN" sz="2000" dirty="0">
                 <a:solidFill>
@@ -6731,15 +6898,6 @@
               </a:rPr>
               <a:t>类型错误</a:t>
             </a:r>
-            <a:r>
-              <a:rPr lang="en-US" altLang="zh-CN" sz="2000" dirty="0">
-                <a:solidFill>
-                  <a:schemeClr val="tx1"/>
-                </a:solidFill>
-                <a:sym typeface="+mn-ea"/>
-              </a:rPr>
-              <a:t/>
-            </a:r>
             <a:br>
               <a:rPr lang="en-US" altLang="zh-CN" sz="2000" dirty="0">
                 <a:solidFill>
@@ -6801,15 +6959,6 @@
                 <a:sym typeface="+mn-ea"/>
               </a:rPr>
               <a:t>有关的错误、其他错误</a:t>
-            </a:r>
-            <a:r>
-              <a:rPr lang="zh-CN" altLang="en-US" sz="3200" dirty="0">
-                <a:solidFill>
-                  <a:schemeClr val="tx1"/>
-                </a:solidFill>
-                <a:sym typeface="+mn-ea"/>
-              </a:rPr>
-              <a:t/>
             </a:r>
             <a:br>
               <a:rPr lang="zh-CN" altLang="en-US" sz="3200" dirty="0">
@@ -6879,6 +7028,7 @@
               <a:rPr lang="zh-CN" altLang="en-US" dirty="0"/>
               <a:t>对象</a:t>
             </a:r>
+            <a:endParaRPr lang="zh-CN" altLang="en-US" dirty="0"/>
           </a:p>
         </p:txBody>
       </p:sp>
@@ -6961,7 +7111,7 @@
           <p:nvPr/>
         </p:nvPicPr>
         <p:blipFill>
-          <a:blip r:embed="rId3"/>
+          <a:blip r:embed="rId1"/>
           <a:stretch>
             <a:fillRect/>
           </a:stretch>
@@ -6985,7 +7135,7 @@
           <p:nvPr/>
         </p:nvPicPr>
         <p:blipFill>
-          <a:blip r:embed="rId4"/>
+          <a:blip r:embed="rId2"/>
           <a:stretch>
             <a:fillRect/>
           </a:stretch>
@@ -7009,7 +7159,7 @@
           <p:nvPr/>
         </p:nvPicPr>
         <p:blipFill>
-          <a:blip r:embed="rId5"/>
+          <a:blip r:embed="rId3"/>
           <a:stretch>
             <a:fillRect/>
           </a:stretch>
@@ -7549,7 +7699,7 @@
           <p:nvPr/>
         </p:nvPicPr>
         <p:blipFill>
-          <a:blip r:embed="rId2">
+          <a:blip r:embed="rId1">
             <a:extLst>
               <a:ext uri="{28A0092B-C50C-407E-A947-70E740481C1C}">
                 <a14:useLocalDpi xmlns:a14="http://schemas.microsoft.com/office/drawing/2010/main" val="0"/>
@@ -7667,7 +7817,7 @@
           <p:nvPr/>
         </p:nvPicPr>
         <p:blipFill>
-          <a:blip r:embed="rId3">
+          <a:blip r:embed="rId2">
             <a:extLst>
               <a:ext uri="{28A0092B-C50C-407E-A947-70E740481C1C}">
                 <a14:useLocalDpi xmlns:a14="http://schemas.microsoft.com/office/drawing/2010/main" val="0"/>
@@ -8061,10 +8211,9 @@
       </a:lstStyle>
     </a:lnDef>
   </a:objectDefaults>
-  <a:extraClrSchemeLst/>
   <a:extLst>
     <a:ext uri="{05A4C25C-085E-4340-85A3-A5531E510DB2}">
-      <thm15:themeFamily xmlns="" xmlns:thm15="http://schemas.microsoft.com/office/thememl/2012/main" name="Office Theme" id="{62F939B6-93AF-4DB8-9C6B-D6C7DFDC589F}" vid="{4A3C46E8-61CC-4603-A589-7422A47A8E4A}"/>
+      <thm15:themeFamily xmlns:thm15="http://schemas.microsoft.com/office/thememl/2012/main" name="Office Theme" id="{62F939B6-93AF-4DB8-9C6B-D6C7DFDC589F}" vid="{4A3C46E8-61CC-4603-A589-7422A47A8E4A}"/>
     </a:ext>
   </a:extLst>
 </a:theme>
@@ -8348,11 +8497,9 @@
       </a:bgFillStyleLst>
     </a:fmtScheme>
   </a:themeElements>
-  <a:objectDefaults/>
-  <a:extraClrSchemeLst/>
   <a:extLst>
     <a:ext uri="{05A4C25C-085E-4340-85A3-A5531E510DB2}">
-      <thm15:themeFamily xmlns="" xmlns:thm15="http://schemas.microsoft.com/office/thememl/2012/main" name="Office Theme" id="{62F939B6-93AF-4DB8-9C6B-D6C7DFDC589F}" vid="{4A3C46E8-61CC-4603-A589-7422A47A8E4A}"/>
+      <thm15:themeFamily xmlns:thm15="http://schemas.microsoft.com/office/thememl/2012/main" name="Office Theme" id="{62F939B6-93AF-4DB8-9C6B-D6C7DFDC589F}" vid="{4A3C46E8-61CC-4603-A589-7422A47A8E4A}"/>
     </a:ext>
   </a:extLst>
 </a:theme>
@@ -8609,11 +8756,9 @@
       </a:bgFillStyleLst>
     </a:fmtScheme>
   </a:themeElements>
-  <a:objectDefaults/>
-  <a:extraClrSchemeLst/>
   <a:extLst>
     <a:ext uri="{05A4C25C-085E-4340-85A3-A5531E510DB2}">
-      <thm15:themeFamily xmlns="" xmlns:thm15="http://schemas.microsoft.com/office/thememl/2012/main" name="Office Theme" id="{62F939B6-93AF-4DB8-9C6B-D6C7DFDC589F}" vid="{4A3C46E8-61CC-4603-A589-7422A47A8E4A}"/>
+      <thm15:themeFamily xmlns:thm15="http://schemas.microsoft.com/office/thememl/2012/main" name="Office Theme" id="{62F939B6-93AF-4DB8-9C6B-D6C7DFDC589F}" vid="{4A3C46E8-61CC-4603-A589-7422A47A8E4A}"/>
     </a:ext>
   </a:extLst>
 </a:theme>

--- a/课程PPT/21.JS标准内置对象-构造器（Error）及异常处理.pptx
+++ b/课程PPT/21.JS标准内置对象-构造器（Error）及异常处理.pptx
@@ -8,17 +8,19 @@
     <p:notesMasterId r:id="rId5"/>
   </p:notesMasterIdLst>
   <p:handoutMasterIdLst>
-    <p:handoutMasterId r:id="rId12"/>
+    <p:handoutMasterId r:id="rId14"/>
   </p:handoutMasterIdLst>
   <p:sldIdLst>
     <p:sldId id="1225" r:id="rId3"/>
     <p:sldId id="1226" r:id="rId4"/>
     <p:sldId id="1244" r:id="rId6"/>
     <p:sldId id="1362" r:id="rId7"/>
-    <p:sldId id="1241" r:id="rId8"/>
-    <p:sldId id="1242" r:id="rId9"/>
-    <p:sldId id="1243" r:id="rId10"/>
-    <p:sldId id="1227" r:id="rId11"/>
+    <p:sldId id="1368" r:id="rId8"/>
+    <p:sldId id="1367" r:id="rId9"/>
+    <p:sldId id="1241" r:id="rId10"/>
+    <p:sldId id="1242" r:id="rId11"/>
+    <p:sldId id="1243" r:id="rId12"/>
+    <p:sldId id="1227" r:id="rId13"/>
   </p:sldIdLst>
   <p:sldSz cx="12192000" cy="6858000"/>
   <p:notesSz cx="6797675" cy="9928225"/>
@@ -1024,6 +1026,118 @@
 </file>
 
 <file path=ppt/notesSlides/notesSlide6.xml><?xml version="1.0" encoding="utf-8"?>
+<p:notes xmlns:a="http://schemas.openxmlformats.org/drawingml/2006/main" xmlns:r="http://schemas.openxmlformats.org/officeDocument/2006/relationships" xmlns:p="http://schemas.openxmlformats.org/presentationml/2006/main">
+  <p:cSld>
+    <p:spTree>
+      <p:nvGrpSpPr>
+        <p:cNvPr id="1" name=""/>
+        <p:cNvGrpSpPr/>
+        <p:nvPr/>
+      </p:nvGrpSpPr>
+      <p:grpSpPr>
+        <a:xfrm>
+          <a:off x="0" y="0"/>
+          <a:ext cx="0" cy="0"/>
+          <a:chOff x="0" y="0"/>
+          <a:chExt cx="0" cy="0"/>
+        </a:xfrm>
+      </p:grpSpPr>
+      <p:sp>
+        <p:nvSpPr>
+          <p:cNvPr id="2" name="幻灯片图像占位符 1"/>
+          <p:cNvSpPr>
+            <a:spLocks noGrp="1" noRot="1" noChangeAspect="1"/>
+          </p:cNvSpPr>
+          <p:nvPr>
+            <p:ph type="sldImg" idx="2"/>
+          </p:nvPr>
+        </p:nvSpPr>
+        <p:spPr/>
+      </p:sp>
+      <p:sp>
+        <p:nvSpPr>
+          <p:cNvPr id="3" name="文本占位符 2"/>
+          <p:cNvSpPr>
+            <a:spLocks noGrp="1"/>
+          </p:cNvSpPr>
+          <p:nvPr>
+            <p:ph type="body" idx="3"/>
+          </p:nvPr>
+        </p:nvSpPr>
+        <p:spPr/>
+        <p:txBody>
+          <a:bodyPr/>
+          <a:lstStyle/>
+          <a:p>
+            <a:endParaRPr lang="zh-CN" altLang="en-US"/>
+          </a:p>
+        </p:txBody>
+      </p:sp>
+    </p:spTree>
+  </p:cSld>
+  <p:clrMapOvr>
+    <a:masterClrMapping/>
+  </p:clrMapOvr>
+</p:notes>
+</file>
+
+<file path=ppt/notesSlides/notesSlide7.xml><?xml version="1.0" encoding="utf-8"?>
+<p:notes xmlns:a="http://schemas.openxmlformats.org/drawingml/2006/main" xmlns:r="http://schemas.openxmlformats.org/officeDocument/2006/relationships" xmlns:p="http://schemas.openxmlformats.org/presentationml/2006/main">
+  <p:cSld>
+    <p:spTree>
+      <p:nvGrpSpPr>
+        <p:cNvPr id="1" name=""/>
+        <p:cNvGrpSpPr/>
+        <p:nvPr/>
+      </p:nvGrpSpPr>
+      <p:grpSpPr>
+        <a:xfrm>
+          <a:off x="0" y="0"/>
+          <a:ext cx="0" cy="0"/>
+          <a:chOff x="0" y="0"/>
+          <a:chExt cx="0" cy="0"/>
+        </a:xfrm>
+      </p:grpSpPr>
+      <p:sp>
+        <p:nvSpPr>
+          <p:cNvPr id="2" name="幻灯片图像占位符 1"/>
+          <p:cNvSpPr>
+            <a:spLocks noGrp="1" noRot="1" noChangeAspect="1"/>
+          </p:cNvSpPr>
+          <p:nvPr>
+            <p:ph type="sldImg" idx="2"/>
+          </p:nvPr>
+        </p:nvSpPr>
+        <p:spPr/>
+      </p:sp>
+      <p:sp>
+        <p:nvSpPr>
+          <p:cNvPr id="3" name="文本占位符 2"/>
+          <p:cNvSpPr>
+            <a:spLocks noGrp="1"/>
+          </p:cNvSpPr>
+          <p:nvPr>
+            <p:ph type="body" idx="3"/>
+          </p:nvPr>
+        </p:nvSpPr>
+        <p:spPr/>
+        <p:txBody>
+          <a:bodyPr/>
+          <a:lstStyle/>
+          <a:p>
+            <a:endParaRPr lang="zh-CN" altLang="en-US"/>
+          </a:p>
+        </p:txBody>
+      </p:sp>
+    </p:spTree>
+  </p:cSld>
+  <p:clrMapOvr>
+    <a:masterClrMapping/>
+  </p:clrMapOvr>
+</p:notes>
+</file>
+
+<file path=ppt/notesSlides/notesSlide8.xml><?xml version="1.0" encoding="utf-8"?>
 <p:notes xmlns:a="http://schemas.openxmlformats.org/drawingml/2006/main" xmlns:r="http://schemas.openxmlformats.org/officeDocument/2006/relationships" xmlns:p="http://schemas.openxmlformats.org/presentationml/2006/main">
   <p:cSld>
     <p:spTree>
@@ -3484,6 +3598,210 @@
 </p:sld>
 </file>
 
+<file path=ppt/slides/slide10.xml><?xml version="1.0" encoding="utf-8"?>
+<p:sld xmlns:a="http://schemas.openxmlformats.org/drawingml/2006/main" xmlns:r="http://schemas.openxmlformats.org/officeDocument/2006/relationships" xmlns:p="http://schemas.openxmlformats.org/presentationml/2006/main">
+  <p:cSld>
+    <p:spTree>
+      <p:nvGrpSpPr>
+        <p:cNvPr id="1" name=""/>
+        <p:cNvGrpSpPr/>
+        <p:nvPr/>
+      </p:nvGrpSpPr>
+      <p:grpSpPr>
+        <a:xfrm>
+          <a:off x="0" y="0"/>
+          <a:ext cx="0" cy="0"/>
+          <a:chOff x="0" y="0"/>
+          <a:chExt cx="0" cy="0"/>
+        </a:xfrm>
+      </p:grpSpPr>
+      <p:pic>
+        <p:nvPicPr>
+          <p:cNvPr id="38914" name="Picture 5"/>
+          <p:cNvPicPr>
+            <a:picLocks noChangeAspect="1" noChangeArrowheads="1"/>
+          </p:cNvPicPr>
+          <p:nvPr/>
+        </p:nvPicPr>
+        <p:blipFill>
+          <a:blip r:embed="rId1">
+            <a:extLst>
+              <a:ext uri="{28A0092B-C50C-407E-A947-70E740481C1C}">
+                <a14:useLocalDpi xmlns:a14="http://schemas.microsoft.com/office/drawing/2010/main" val="0"/>
+              </a:ext>
+            </a:extLst>
+          </a:blip>
+          <a:srcRect/>
+          <a:stretch>
+            <a:fillRect/>
+          </a:stretch>
+        </p:blipFill>
+        <p:spPr bwMode="auto">
+          <a:xfrm>
+            <a:off x="0" y="0"/>
+            <a:ext cx="12192000" cy="6858000"/>
+          </a:xfrm>
+          <a:prstGeom prst="rect">
+            <a:avLst/>
+          </a:prstGeom>
+          <a:noFill/>
+          <a:ln>
+            <a:noFill/>
+          </a:ln>
+          <a:extLst>
+            <a:ext uri="{909E8E84-426E-40DD-AFC4-6F175D3DCCD1}">
+              <a14:hiddenFill xmlns:a14="http://schemas.microsoft.com/office/drawing/2010/main">
+                <a:solidFill>
+                  <a:srgbClr val="FFFFFF"/>
+                </a:solidFill>
+              </a14:hiddenFill>
+            </a:ext>
+            <a:ext uri="{91240B29-F687-4F45-9708-019B960494DF}">
+              <a14:hiddenLine xmlns:a14="http://schemas.microsoft.com/office/drawing/2010/main" w="9525">
+                <a:solidFill>
+                  <a:srgbClr val="000000"/>
+                </a:solidFill>
+                <a:miter lim="800000"/>
+                <a:headEnd/>
+                <a:tailEnd/>
+              </a14:hiddenLine>
+            </a:ext>
+          </a:extLst>
+        </p:spPr>
+      </p:pic>
+      <p:sp>
+        <p:nvSpPr>
+          <p:cNvPr id="38915" name="Rectangle 6"/>
+          <p:cNvSpPr>
+            <a:spLocks noGrp="1" noChangeArrowheads="1"/>
+          </p:cNvSpPr>
+          <p:nvPr>
+            <p:ph type="ctrTitle" idx="4294967295"/>
+          </p:nvPr>
+        </p:nvSpPr>
+        <p:spPr bwMode="auto">
+          <a:xfrm>
+            <a:off x="2547041" y="3068835"/>
+            <a:ext cx="7097918" cy="1285875"/>
+          </a:xfrm>
+          <a:prstGeom prst="rect">
+            <a:avLst/>
+          </a:prstGeom>
+          <a:noFill/>
+          <a:extLst>
+            <a:ext uri="{909E8E84-426E-40DD-AFC4-6F175D3DCCD1}">
+              <a14:hiddenFill xmlns:a14="http://schemas.microsoft.com/office/drawing/2010/main">
+                <a:solidFill>
+                  <a:srgbClr val="FFFFFF"/>
+                </a:solidFill>
+              </a14:hiddenFill>
+            </a:ext>
+            <a:ext uri="{91240B29-F687-4F45-9708-019B960494DF}">
+              <a14:hiddenLine xmlns:a14="http://schemas.microsoft.com/office/drawing/2010/main" w="9525">
+                <a:solidFill>
+                  <a:srgbClr val="000000"/>
+                </a:solidFill>
+                <a:miter lim="800000"/>
+                <a:headEnd/>
+                <a:tailEnd/>
+              </a14:hiddenLine>
+            </a:ext>
+          </a:extLst>
+        </p:spPr>
+        <p:txBody>
+          <a:bodyPr anchor="b"/>
+          <a:lstStyle/>
+          <a:p>
+            <a:pPr algn="ctr" eaLnBrk="1" hangingPunct="1"/>
+            <a:r>
+              <a:rPr kumimoji="0" lang="en-US" altLang="zh-CN" sz="5400" dirty="0"/>
+              <a:t>Thank </a:t>
+            </a:r>
+            <a:r>
+              <a:rPr kumimoji="0" lang="en-US" altLang="zh-CN" sz="5400" dirty="0">
+                <a:solidFill>
+                  <a:srgbClr val="FF0000"/>
+                </a:solidFill>
+              </a:rPr>
+              <a:t>You</a:t>
+            </a:r>
+            <a:r>
+              <a:rPr kumimoji="0" lang="zh-CN" altLang="en-US" sz="5400" dirty="0"/>
+              <a:t>！</a:t>
+            </a:r>
+            <a:endParaRPr kumimoji="0" lang="zh-CN" altLang="zh-CN" sz="5400" dirty="0"/>
+          </a:p>
+        </p:txBody>
+      </p:sp>
+      <p:pic>
+        <p:nvPicPr>
+          <p:cNvPr id="38916" name="图片 3" descr="软院logo横版.png"/>
+          <p:cNvPicPr>
+            <a:picLocks noChangeAspect="1"/>
+          </p:cNvPicPr>
+          <p:nvPr/>
+        </p:nvPicPr>
+        <p:blipFill>
+          <a:blip r:embed="rId2">
+            <a:extLst>
+              <a:ext uri="{28A0092B-C50C-407E-A947-70E740481C1C}">
+                <a14:useLocalDpi xmlns:a14="http://schemas.microsoft.com/office/drawing/2010/main" val="0"/>
+              </a:ext>
+            </a:extLst>
+          </a:blip>
+          <a:srcRect/>
+          <a:stretch>
+            <a:fillRect/>
+          </a:stretch>
+        </p:blipFill>
+        <p:spPr bwMode="auto">
+          <a:xfrm>
+            <a:off x="2062164" y="5927725"/>
+            <a:ext cx="3381375" cy="527050"/>
+          </a:xfrm>
+          <a:prstGeom prst="rect">
+            <a:avLst/>
+          </a:prstGeom>
+          <a:noFill/>
+          <a:ln>
+            <a:noFill/>
+          </a:ln>
+          <a:extLst>
+            <a:ext uri="{909E8E84-426E-40DD-AFC4-6F175D3DCCD1}">
+              <a14:hiddenFill xmlns:a14="http://schemas.microsoft.com/office/drawing/2010/main">
+                <a:solidFill>
+                  <a:srgbClr val="FFFFFF"/>
+                </a:solidFill>
+              </a14:hiddenFill>
+            </a:ext>
+            <a:ext uri="{91240B29-F687-4F45-9708-019B960494DF}">
+              <a14:hiddenLine xmlns:a14="http://schemas.microsoft.com/office/drawing/2010/main" w="9525">
+                <a:solidFill>
+                  <a:srgbClr val="000000"/>
+                </a:solidFill>
+                <a:miter lim="800000"/>
+                <a:headEnd/>
+                <a:tailEnd/>
+              </a14:hiddenLine>
+            </a:ext>
+          </a:extLst>
+        </p:spPr>
+      </p:pic>
+    </p:spTree>
+  </p:cSld>
+  <p:clrMapOvr>
+    <a:masterClrMapping/>
+  </p:clrMapOvr>
+  <p:timing>
+    <p:tnLst>
+      <p:par>
+        <p:cTn id="1" dur="indefinite" restart="never" nodeType="tmRoot"/>
+      </p:par>
+    </p:tnLst>
+  </p:timing>
+</p:sld>
+</file>
+
 <file path=ppt/slides/slide2.xml><?xml version="1.0" encoding="utf-8"?>
 <p:sld xmlns:a="http://schemas.openxmlformats.org/drawingml/2006/main" xmlns:r="http://schemas.openxmlformats.org/officeDocument/2006/relationships" xmlns:p="http://schemas.openxmlformats.org/presentationml/2006/main">
   <p:cSld>
@@ -4140,7 +4458,7 @@
         <p:spPr>
           <a:xfrm>
             <a:off x="6652895" y="6037580"/>
-            <a:ext cx="3921125" cy="398780"/>
+            <a:ext cx="4688205" cy="398780"/>
           </a:xfrm>
           <a:prstGeom prst="rect">
             <a:avLst/>
@@ -4167,7 +4485,7 @@
                   <a:srgbClr val="FF0000"/>
                 </a:solidFill>
               </a:rPr>
-              <a:t>Demo11 </a:t>
+              <a:t>Demo11 Part1 </a:t>
             </a:r>
             <a:r>
               <a:rPr lang="zh-CN" altLang="en-US" sz="2000">
@@ -4767,6 +5085,1557 @@
 </file>
 
 <file path=ppt/slides/slide4.xml><?xml version="1.0" encoding="utf-8"?>
+<p:sld xmlns:a="http://schemas.openxmlformats.org/drawingml/2006/main" xmlns:r="http://schemas.openxmlformats.org/officeDocument/2006/relationships" xmlns:p="http://schemas.openxmlformats.org/presentationml/2006/main">
+  <p:cSld>
+    <p:spTree>
+      <p:nvGrpSpPr>
+        <p:cNvPr id="1" name=""/>
+        <p:cNvGrpSpPr/>
+        <p:nvPr/>
+      </p:nvGrpSpPr>
+      <p:grpSpPr>
+        <a:xfrm>
+          <a:off x="0" y="0"/>
+          <a:ext cx="0" cy="0"/>
+          <a:chOff x="0" y="0"/>
+          <a:chExt cx="0" cy="0"/>
+        </a:xfrm>
+      </p:grpSpPr>
+      <p:sp>
+        <p:nvSpPr>
+          <p:cNvPr id="2" name="内容占位符 1"/>
+          <p:cNvSpPr>
+            <a:spLocks noGrp="1"/>
+          </p:cNvSpPr>
+          <p:nvPr>
+            <p:ph sz="quarter" idx="10"/>
+          </p:nvPr>
+        </p:nvSpPr>
+        <p:spPr>
+          <a:xfrm>
+            <a:off x="927735" y="783590"/>
+            <a:ext cx="9776460" cy="5269230"/>
+          </a:xfrm>
+        </p:spPr>
+        <p:txBody>
+          <a:bodyPr/>
+          <a:lstStyle/>
+          <a:p>
+            <a:pPr>
+              <a:lnSpc>
+                <a:spcPct val="140000"/>
+              </a:lnSpc>
+            </a:pPr>
+            <a:r>
+              <a:rPr lang="en-US" altLang="zh-CN" sz="3200" dirty="0">
+                <a:solidFill>
+                  <a:schemeClr val="tx1"/>
+                </a:solidFill>
+                <a:sym typeface="+mn-ea"/>
+              </a:rPr>
+              <a:t>JS</a:t>
+            </a:r>
+            <a:r>
+              <a:rPr lang="zh-CN" altLang="en-US" sz="3200" dirty="0">
+                <a:solidFill>
+                  <a:schemeClr val="tx1"/>
+                </a:solidFill>
+                <a:sym typeface="+mn-ea"/>
+              </a:rPr>
+              <a:t>中异常处理嵌套的情况</a:t>
+            </a:r>
+            <a:endParaRPr lang="zh-CN" altLang="en-US" sz="1800" dirty="0">
+              <a:solidFill>
+                <a:schemeClr val="tx1"/>
+              </a:solidFill>
+              <a:sym typeface="+mn-ea"/>
+            </a:endParaRPr>
+          </a:p>
+          <a:p>
+            <a:pPr marL="0" indent="0">
+              <a:lnSpc>
+                <a:spcPct val="160000"/>
+              </a:lnSpc>
+              <a:buNone/>
+            </a:pPr>
+            <a:endParaRPr lang="en-US" altLang="zh-CN" sz="1800" dirty="0">
+              <a:solidFill>
+                <a:schemeClr val="tx1"/>
+              </a:solidFill>
+              <a:sym typeface="+mn-ea"/>
+            </a:endParaRPr>
+          </a:p>
+        </p:txBody>
+      </p:sp>
+      <p:sp>
+        <p:nvSpPr>
+          <p:cNvPr id="3" name="内容占位符 2"/>
+          <p:cNvSpPr>
+            <a:spLocks noGrp="1"/>
+          </p:cNvSpPr>
+          <p:nvPr>
+            <p:ph sz="quarter" idx="11"/>
+          </p:nvPr>
+        </p:nvSpPr>
+        <p:spPr/>
+        <p:txBody>
+          <a:bodyPr/>
+          <a:lstStyle/>
+          <a:p>
+            <a:r>
+              <a:rPr lang="en-US" altLang="zh-CN" dirty="0"/>
+              <a:t>JS</a:t>
+            </a:r>
+            <a:r>
+              <a:rPr lang="zh-CN" altLang="en-US" dirty="0"/>
+              <a:t>异常处理</a:t>
+            </a:r>
+            <a:endParaRPr lang="zh-CN" altLang="en-US" dirty="0"/>
+          </a:p>
+        </p:txBody>
+      </p:sp>
+      <p:sp>
+        <p:nvSpPr>
+          <p:cNvPr id="4" name="文本框 3"/>
+          <p:cNvSpPr txBox="1"/>
+          <p:nvPr/>
+        </p:nvSpPr>
+        <p:spPr>
+          <a:xfrm>
+            <a:off x="6652895" y="6037580"/>
+            <a:ext cx="4688205" cy="398780"/>
+          </a:xfrm>
+          <a:prstGeom prst="rect">
+            <a:avLst/>
+          </a:prstGeom>
+          <a:noFill/>
+        </p:spPr>
+        <p:txBody>
+          <a:bodyPr wrap="square" rtlCol="0">
+            <a:spAutoFit/>
+          </a:bodyPr>
+          <a:p>
+            <a:r>
+              <a:rPr lang="zh-CN" altLang="en-US" sz="2000">
+                <a:solidFill>
+                  <a:srgbClr val="FF0000"/>
+                </a:solidFill>
+              </a:rPr>
+              <a:t>参见实例</a:t>
+            </a:r>
+            <a:r>
+              <a:rPr lang="en-US" altLang="zh-CN" sz="2000">
+                <a:solidFill>
+                  <a:srgbClr val="FF0000"/>
+                </a:solidFill>
+              </a:rPr>
+              <a:t>Demo11 Part2 </a:t>
+            </a:r>
+            <a:r>
+              <a:rPr lang="zh-CN" altLang="en-US" sz="2000">
+                <a:solidFill>
+                  <a:srgbClr val="FF0000"/>
+                </a:solidFill>
+              </a:rPr>
+              <a:t>异常处理嵌套 </a:t>
+            </a:r>
+            <a:endParaRPr lang="en-US" altLang="zh-CN" sz="2000">
+              <a:solidFill>
+                <a:srgbClr val="FF0000"/>
+              </a:solidFill>
+            </a:endParaRPr>
+          </a:p>
+        </p:txBody>
+      </p:sp>
+      <p:pic>
+        <p:nvPicPr>
+          <p:cNvPr id="5" name="图片 4" descr="PVV)$TGEL1~Z@26A7CXKGOY"/>
+          <p:cNvPicPr>
+            <a:picLocks noChangeAspect="1"/>
+          </p:cNvPicPr>
+          <p:nvPr/>
+        </p:nvPicPr>
+        <p:blipFill>
+          <a:blip r:embed="rId1"/>
+          <a:stretch>
+            <a:fillRect/>
+          </a:stretch>
+        </p:blipFill>
+        <p:spPr>
+          <a:xfrm>
+            <a:off x="1146810" y="1572260"/>
+            <a:ext cx="4514850" cy="3813810"/>
+          </a:xfrm>
+          <a:prstGeom prst="rect">
+            <a:avLst/>
+          </a:prstGeom>
+        </p:spPr>
+      </p:pic>
+      <p:pic>
+        <p:nvPicPr>
+          <p:cNvPr id="7" name="图片 6" descr="7S9Q@A2C`N_M%V`]UC6PKP0"/>
+          <p:cNvPicPr>
+            <a:picLocks noChangeAspect="1"/>
+          </p:cNvPicPr>
+          <p:nvPr/>
+        </p:nvPicPr>
+        <p:blipFill>
+          <a:blip r:embed="rId2"/>
+          <a:stretch>
+            <a:fillRect/>
+          </a:stretch>
+        </p:blipFill>
+        <p:spPr>
+          <a:xfrm>
+            <a:off x="6134100" y="1715770"/>
+            <a:ext cx="4570095" cy="4189730"/>
+          </a:xfrm>
+          <a:prstGeom prst="rect">
+            <a:avLst/>
+          </a:prstGeom>
+        </p:spPr>
+      </p:pic>
+    </p:spTree>
+  </p:cSld>
+  <p:clrMapOvr>
+    <a:masterClrMapping/>
+  </p:clrMapOvr>
+  <p:timing>
+    <p:tnLst>
+      <p:par>
+        <p:cTn id="1" dur="indefinite" restart="never" nodeType="tmRoot">
+          <p:childTnLst>
+            <p:seq concurrent="1" nextAc="seek">
+              <p:cTn id="2" dur="indefinite" nodeType="mainSeq">
+                <p:childTnLst>
+                  <p:par>
+                    <p:cTn id="3" fill="hold">
+                      <p:stCondLst>
+                        <p:cond delay="indefinite"/>
+                      </p:stCondLst>
+                      <p:childTnLst>
+                        <p:par>
+                          <p:cTn id="4" fill="hold">
+                            <p:stCondLst>
+                              <p:cond delay="0"/>
+                            </p:stCondLst>
+                            <p:childTnLst>
+                              <p:par>
+                                <p:cTn id="5" presetID="2" presetClass="entr" presetSubtype="4" fill="hold" nodeType="clickEffect">
+                                  <p:stCondLst>
+                                    <p:cond delay="0"/>
+                                  </p:stCondLst>
+                                  <p:childTnLst>
+                                    <p:set>
+                                      <p:cBhvr>
+                                        <p:cTn id="6" dur="1" fill="hold">
+                                          <p:stCondLst>
+                                            <p:cond delay="0"/>
+                                          </p:stCondLst>
+                                        </p:cTn>
+                                        <p:tgtEl>
+                                          <p:spTgt spid="2">
+                                            <p:txEl>
+                                              <p:pRg st="0" end="0"/>
+                                            </p:txEl>
+                                          </p:spTgt>
+                                        </p:tgtEl>
+                                        <p:attrNameLst>
+                                          <p:attrName>style.visibility</p:attrName>
+                                        </p:attrNameLst>
+                                      </p:cBhvr>
+                                      <p:to>
+                                        <p:strVal val="visible"/>
+                                      </p:to>
+                                    </p:set>
+                                    <p:anim calcmode="lin" valueType="num">
+                                      <p:cBhvr additive="base">
+                                        <p:cTn id="7" dur="500" fill="hold"/>
+                                        <p:tgtEl>
+                                          <p:spTgt spid="2">
+                                            <p:txEl>
+                                              <p:pRg st="0" end="0"/>
+                                            </p:txEl>
+                                          </p:spTgt>
+                                        </p:tgtEl>
+                                        <p:attrNameLst>
+                                          <p:attrName>ppt_x</p:attrName>
+                                        </p:attrNameLst>
+                                      </p:cBhvr>
+                                      <p:tavLst>
+                                        <p:tav tm="0">
+                                          <p:val>
+                                            <p:strVal val="#ppt_x"/>
+                                          </p:val>
+                                        </p:tav>
+                                        <p:tav tm="100000">
+                                          <p:val>
+                                            <p:strVal val="#ppt_x"/>
+                                          </p:val>
+                                        </p:tav>
+                                      </p:tavLst>
+                                    </p:anim>
+                                    <p:anim calcmode="lin" valueType="num">
+                                      <p:cBhvr additive="base">
+                                        <p:cTn id="8" dur="500" fill="hold"/>
+                                        <p:tgtEl>
+                                          <p:spTgt spid="2">
+                                            <p:txEl>
+                                              <p:pRg st="0" end="0"/>
+                                            </p:txEl>
+                                          </p:spTgt>
+                                        </p:tgtEl>
+                                        <p:attrNameLst>
+                                          <p:attrName>ppt_y</p:attrName>
+                                        </p:attrNameLst>
+                                      </p:cBhvr>
+                                      <p:tavLst>
+                                        <p:tav tm="0">
+                                          <p:val>
+                                            <p:strVal val="1+#ppt_h/2"/>
+                                          </p:val>
+                                        </p:tav>
+                                        <p:tav tm="100000">
+                                          <p:val>
+                                            <p:strVal val="#ppt_y"/>
+                                          </p:val>
+                                        </p:tav>
+                                      </p:tavLst>
+                                    </p:anim>
+                                  </p:childTnLst>
+                                </p:cTn>
+                              </p:par>
+                            </p:childTnLst>
+                          </p:cTn>
+                        </p:par>
+                      </p:childTnLst>
+                    </p:cTn>
+                  </p:par>
+                  <p:par>
+                    <p:cTn id="9" fill="hold">
+                      <p:stCondLst>
+                        <p:cond delay="indefinite"/>
+                      </p:stCondLst>
+                      <p:childTnLst>
+                        <p:par>
+                          <p:cTn id="10" fill="hold">
+                            <p:stCondLst>
+                              <p:cond delay="0"/>
+                            </p:stCondLst>
+                            <p:childTnLst>
+                              <p:par>
+                                <p:cTn id="11" presetID="2" presetClass="entr" presetSubtype="4" fill="hold" nodeType="clickEffect">
+                                  <p:stCondLst>
+                                    <p:cond delay="0"/>
+                                  </p:stCondLst>
+                                  <p:childTnLst>
+                                    <p:set>
+                                      <p:cBhvr>
+                                        <p:cTn id="12" dur="1" fill="hold">
+                                          <p:stCondLst>
+                                            <p:cond delay="0"/>
+                                          </p:stCondLst>
+                                        </p:cTn>
+                                        <p:tgtEl>
+                                          <p:spTgt spid="5"/>
+                                        </p:tgtEl>
+                                        <p:attrNameLst>
+                                          <p:attrName>style.visibility</p:attrName>
+                                        </p:attrNameLst>
+                                      </p:cBhvr>
+                                      <p:to>
+                                        <p:strVal val="visible"/>
+                                      </p:to>
+                                    </p:set>
+                                    <p:anim calcmode="lin" valueType="num">
+                                      <p:cBhvr additive="base">
+                                        <p:cTn id="13" dur="500" fill="hold"/>
+                                        <p:tgtEl>
+                                          <p:spTgt spid="5"/>
+                                        </p:tgtEl>
+                                        <p:attrNameLst>
+                                          <p:attrName>ppt_x</p:attrName>
+                                        </p:attrNameLst>
+                                      </p:cBhvr>
+                                      <p:tavLst>
+                                        <p:tav tm="0">
+                                          <p:val>
+                                            <p:strVal val="#ppt_x"/>
+                                          </p:val>
+                                        </p:tav>
+                                        <p:tav tm="100000">
+                                          <p:val>
+                                            <p:strVal val="#ppt_x"/>
+                                          </p:val>
+                                        </p:tav>
+                                      </p:tavLst>
+                                    </p:anim>
+                                    <p:anim calcmode="lin" valueType="num">
+                                      <p:cBhvr additive="base">
+                                        <p:cTn id="14" dur="500" fill="hold"/>
+                                        <p:tgtEl>
+                                          <p:spTgt spid="5"/>
+                                        </p:tgtEl>
+                                        <p:attrNameLst>
+                                          <p:attrName>ppt_y</p:attrName>
+                                        </p:attrNameLst>
+                                      </p:cBhvr>
+                                      <p:tavLst>
+                                        <p:tav tm="0">
+                                          <p:val>
+                                            <p:strVal val="1+#ppt_h/2"/>
+                                          </p:val>
+                                        </p:tav>
+                                        <p:tav tm="100000">
+                                          <p:val>
+                                            <p:strVal val="#ppt_y"/>
+                                          </p:val>
+                                        </p:tav>
+                                      </p:tavLst>
+                                    </p:anim>
+                                  </p:childTnLst>
+                                </p:cTn>
+                              </p:par>
+                            </p:childTnLst>
+                          </p:cTn>
+                        </p:par>
+                      </p:childTnLst>
+                    </p:cTn>
+                  </p:par>
+                  <p:par>
+                    <p:cTn id="15" fill="hold">
+                      <p:stCondLst>
+                        <p:cond delay="indefinite"/>
+                      </p:stCondLst>
+                      <p:childTnLst>
+                        <p:par>
+                          <p:cTn id="16" fill="hold">
+                            <p:stCondLst>
+                              <p:cond delay="0"/>
+                            </p:stCondLst>
+                            <p:childTnLst>
+                              <p:par>
+                                <p:cTn id="17" presetID="2" presetClass="entr" presetSubtype="4" fill="hold" nodeType="clickEffect">
+                                  <p:stCondLst>
+                                    <p:cond delay="0"/>
+                                  </p:stCondLst>
+                                  <p:childTnLst>
+                                    <p:set>
+                                      <p:cBhvr>
+                                        <p:cTn id="18" dur="1" fill="hold">
+                                          <p:stCondLst>
+                                            <p:cond delay="0"/>
+                                          </p:stCondLst>
+                                        </p:cTn>
+                                        <p:tgtEl>
+                                          <p:spTgt spid="7"/>
+                                        </p:tgtEl>
+                                        <p:attrNameLst>
+                                          <p:attrName>style.visibility</p:attrName>
+                                        </p:attrNameLst>
+                                      </p:cBhvr>
+                                      <p:to>
+                                        <p:strVal val="visible"/>
+                                      </p:to>
+                                    </p:set>
+                                    <p:anim calcmode="lin" valueType="num">
+                                      <p:cBhvr additive="base">
+                                        <p:cTn id="19" dur="500" fill="hold"/>
+                                        <p:tgtEl>
+                                          <p:spTgt spid="7"/>
+                                        </p:tgtEl>
+                                        <p:attrNameLst>
+                                          <p:attrName>ppt_x</p:attrName>
+                                        </p:attrNameLst>
+                                      </p:cBhvr>
+                                      <p:tavLst>
+                                        <p:tav tm="0">
+                                          <p:val>
+                                            <p:strVal val="#ppt_x"/>
+                                          </p:val>
+                                        </p:tav>
+                                        <p:tav tm="100000">
+                                          <p:val>
+                                            <p:strVal val="#ppt_x"/>
+                                          </p:val>
+                                        </p:tav>
+                                      </p:tavLst>
+                                    </p:anim>
+                                    <p:anim calcmode="lin" valueType="num">
+                                      <p:cBhvr additive="base">
+                                        <p:cTn id="20" dur="500" fill="hold"/>
+                                        <p:tgtEl>
+                                          <p:spTgt spid="7"/>
+                                        </p:tgtEl>
+                                        <p:attrNameLst>
+                                          <p:attrName>ppt_y</p:attrName>
+                                        </p:attrNameLst>
+                                      </p:cBhvr>
+                                      <p:tavLst>
+                                        <p:tav tm="0">
+                                          <p:val>
+                                            <p:strVal val="1+#ppt_h/2"/>
+                                          </p:val>
+                                        </p:tav>
+                                        <p:tav tm="100000">
+                                          <p:val>
+                                            <p:strVal val="#ppt_y"/>
+                                          </p:val>
+                                        </p:tav>
+                                      </p:tavLst>
+                                    </p:anim>
+                                  </p:childTnLst>
+                                </p:cTn>
+                              </p:par>
+                            </p:childTnLst>
+                          </p:cTn>
+                        </p:par>
+                        <p:par>
+                          <p:cTn id="21" fill="hold">
+                            <p:stCondLst>
+                              <p:cond delay="500"/>
+                            </p:stCondLst>
+                            <p:childTnLst>
+                              <p:par>
+                                <p:cTn id="22" presetID="2" presetClass="entr" presetSubtype="4" fill="hold" grpId="0" nodeType="afterEffect">
+                                  <p:stCondLst>
+                                    <p:cond delay="0"/>
+                                  </p:stCondLst>
+                                  <p:childTnLst>
+                                    <p:set>
+                                      <p:cBhvr>
+                                        <p:cTn id="23" dur="1" fill="hold">
+                                          <p:stCondLst>
+                                            <p:cond delay="0"/>
+                                          </p:stCondLst>
+                                        </p:cTn>
+                                        <p:tgtEl>
+                                          <p:spTgt spid="4"/>
+                                        </p:tgtEl>
+                                        <p:attrNameLst>
+                                          <p:attrName>style.visibility</p:attrName>
+                                        </p:attrNameLst>
+                                      </p:cBhvr>
+                                      <p:to>
+                                        <p:strVal val="visible"/>
+                                      </p:to>
+                                    </p:set>
+                                    <p:anim calcmode="lin" valueType="num">
+                                      <p:cBhvr additive="base">
+                                        <p:cTn id="24" dur="500" fill="hold"/>
+                                        <p:tgtEl>
+                                          <p:spTgt spid="4"/>
+                                        </p:tgtEl>
+                                        <p:attrNameLst>
+                                          <p:attrName>ppt_x</p:attrName>
+                                        </p:attrNameLst>
+                                      </p:cBhvr>
+                                      <p:tavLst>
+                                        <p:tav tm="0">
+                                          <p:val>
+                                            <p:strVal val="#ppt_x"/>
+                                          </p:val>
+                                        </p:tav>
+                                        <p:tav tm="100000">
+                                          <p:val>
+                                            <p:strVal val="#ppt_x"/>
+                                          </p:val>
+                                        </p:tav>
+                                      </p:tavLst>
+                                    </p:anim>
+                                    <p:anim calcmode="lin" valueType="num">
+                                      <p:cBhvr additive="base">
+                                        <p:cTn id="25" dur="500" fill="hold"/>
+                                        <p:tgtEl>
+                                          <p:spTgt spid="4"/>
+                                        </p:tgtEl>
+                                        <p:attrNameLst>
+                                          <p:attrName>ppt_y</p:attrName>
+                                        </p:attrNameLst>
+                                      </p:cBhvr>
+                                      <p:tavLst>
+                                        <p:tav tm="0">
+                                          <p:val>
+                                            <p:strVal val="1+#ppt_h/2"/>
+                                          </p:val>
+                                        </p:tav>
+                                        <p:tav tm="100000">
+                                          <p:val>
+                                            <p:strVal val="#ppt_y"/>
+                                          </p:val>
+                                        </p:tav>
+                                      </p:tavLst>
+                                    </p:anim>
+                                  </p:childTnLst>
+                                </p:cTn>
+                              </p:par>
+                            </p:childTnLst>
+                          </p:cTn>
+                        </p:par>
+                      </p:childTnLst>
+                    </p:cTn>
+                  </p:par>
+                </p:childTnLst>
+              </p:cTn>
+              <p:prevCondLst>
+                <p:cond evt="onPrev" delay="0">
+                  <p:tgtEl>
+                    <p:sldTgt/>
+                  </p:tgtEl>
+                </p:cond>
+              </p:prevCondLst>
+              <p:nextCondLst>
+                <p:cond evt="onNext" delay="0">
+                  <p:tgtEl>
+                    <p:sldTgt/>
+                  </p:tgtEl>
+                </p:cond>
+              </p:nextCondLst>
+            </p:seq>
+          </p:childTnLst>
+        </p:cTn>
+      </p:par>
+    </p:tnLst>
+    <p:bldLst>
+      <p:bldP spid="4" grpId="0"/>
+    </p:bldLst>
+  </p:timing>
+</p:sld>
+</file>
+
+<file path=ppt/slides/slide5.xml><?xml version="1.0" encoding="utf-8"?>
+<p:sld xmlns:a="http://schemas.openxmlformats.org/drawingml/2006/main" xmlns:r="http://schemas.openxmlformats.org/officeDocument/2006/relationships" xmlns:p="http://schemas.openxmlformats.org/presentationml/2006/main">
+  <p:cSld>
+    <p:spTree>
+      <p:nvGrpSpPr>
+        <p:cNvPr id="1" name=""/>
+        <p:cNvGrpSpPr/>
+        <p:nvPr/>
+      </p:nvGrpSpPr>
+      <p:grpSpPr>
+        <a:xfrm>
+          <a:off x="0" y="0"/>
+          <a:ext cx="0" cy="0"/>
+          <a:chOff x="0" y="0"/>
+          <a:chExt cx="0" cy="0"/>
+        </a:xfrm>
+      </p:grpSpPr>
+      <p:sp>
+        <p:nvSpPr>
+          <p:cNvPr id="2" name="内容占位符 1"/>
+          <p:cNvSpPr>
+            <a:spLocks noGrp="1"/>
+          </p:cNvSpPr>
+          <p:nvPr>
+            <p:ph sz="quarter" idx="10"/>
+          </p:nvPr>
+        </p:nvSpPr>
+        <p:spPr>
+          <a:xfrm>
+            <a:off x="927735" y="783590"/>
+            <a:ext cx="10126345" cy="5269230"/>
+          </a:xfrm>
+        </p:spPr>
+        <p:txBody>
+          <a:bodyPr/>
+          <a:lstStyle/>
+          <a:p>
+            <a:pPr>
+              <a:lnSpc>
+                <a:spcPct val="140000"/>
+              </a:lnSpc>
+            </a:pPr>
+            <a:r>
+              <a:rPr lang="en-US" altLang="zh-CN" sz="3200" dirty="0">
+                <a:solidFill>
+                  <a:schemeClr val="tx1"/>
+                </a:solidFill>
+                <a:sym typeface="+mn-ea"/>
+              </a:rPr>
+              <a:t>JS</a:t>
+            </a:r>
+            <a:r>
+              <a:rPr lang="zh-CN" altLang="en-US" sz="3200" dirty="0">
+                <a:solidFill>
+                  <a:schemeClr val="tx1"/>
+                </a:solidFill>
+                <a:sym typeface="+mn-ea"/>
+              </a:rPr>
+              <a:t>中的异步回调函数捕获异常的问题（思考下述代码）</a:t>
+            </a:r>
+            <a:br>
+              <a:rPr lang="zh-CN" altLang="en-US" sz="3200" dirty="0">
+                <a:solidFill>
+                  <a:schemeClr val="tx1"/>
+                </a:solidFill>
+                <a:sym typeface="+mn-ea"/>
+              </a:rPr>
+            </a:br>
+            <a:br>
+              <a:rPr lang="zh-CN" altLang="en-US" sz="3200" dirty="0">
+                <a:solidFill>
+                  <a:schemeClr val="tx1"/>
+                </a:solidFill>
+                <a:sym typeface="+mn-ea"/>
+              </a:rPr>
+            </a:br>
+            <a:endParaRPr lang="zh-CN" altLang="en-US" sz="1800" dirty="0">
+              <a:solidFill>
+                <a:schemeClr val="tx1"/>
+              </a:solidFill>
+              <a:sym typeface="+mn-ea"/>
+            </a:endParaRPr>
+          </a:p>
+          <a:p>
+            <a:pPr marL="0" indent="0">
+              <a:lnSpc>
+                <a:spcPct val="160000"/>
+              </a:lnSpc>
+              <a:buNone/>
+            </a:pPr>
+            <a:endParaRPr lang="en-US" altLang="zh-CN" sz="1800" dirty="0">
+              <a:solidFill>
+                <a:schemeClr val="tx1"/>
+              </a:solidFill>
+              <a:sym typeface="+mn-ea"/>
+            </a:endParaRPr>
+          </a:p>
+        </p:txBody>
+      </p:sp>
+      <p:sp>
+        <p:nvSpPr>
+          <p:cNvPr id="3" name="内容占位符 2"/>
+          <p:cNvSpPr>
+            <a:spLocks noGrp="1"/>
+          </p:cNvSpPr>
+          <p:nvPr>
+            <p:ph sz="quarter" idx="11"/>
+          </p:nvPr>
+        </p:nvSpPr>
+        <p:spPr/>
+        <p:txBody>
+          <a:bodyPr/>
+          <a:lstStyle/>
+          <a:p>
+            <a:r>
+              <a:rPr lang="en-US" altLang="zh-CN" dirty="0"/>
+              <a:t>JS</a:t>
+            </a:r>
+            <a:r>
+              <a:rPr lang="zh-CN" altLang="en-US" dirty="0"/>
+              <a:t>异常处理</a:t>
+            </a:r>
+            <a:endParaRPr lang="zh-CN" altLang="en-US" dirty="0"/>
+          </a:p>
+        </p:txBody>
+      </p:sp>
+      <p:sp>
+        <p:nvSpPr>
+          <p:cNvPr id="4" name="文本框 3"/>
+          <p:cNvSpPr txBox="1"/>
+          <p:nvPr/>
+        </p:nvSpPr>
+        <p:spPr>
+          <a:xfrm>
+            <a:off x="6652895" y="6109335"/>
+            <a:ext cx="4688205" cy="398780"/>
+          </a:xfrm>
+          <a:prstGeom prst="rect">
+            <a:avLst/>
+          </a:prstGeom>
+          <a:noFill/>
+        </p:spPr>
+        <p:txBody>
+          <a:bodyPr wrap="square" rtlCol="0">
+            <a:spAutoFit/>
+          </a:bodyPr>
+          <a:p>
+            <a:r>
+              <a:rPr lang="zh-CN" altLang="en-US" sz="2000">
+                <a:solidFill>
+                  <a:srgbClr val="FF0000"/>
+                </a:solidFill>
+                <a:sym typeface="+mn-ea"/>
+              </a:rPr>
+              <a:t>参见实例</a:t>
+            </a:r>
+            <a:r>
+              <a:rPr lang="en-US" altLang="zh-CN" sz="2000">
+                <a:solidFill>
+                  <a:srgbClr val="FF0000"/>
+                </a:solidFill>
+                <a:sym typeface="+mn-ea"/>
+              </a:rPr>
+              <a:t>Demo11 Part3 </a:t>
+            </a:r>
+            <a:r>
+              <a:rPr lang="zh-CN" altLang="en-US" sz="2000">
+                <a:solidFill>
+                  <a:srgbClr val="FF0000"/>
+                </a:solidFill>
+                <a:sym typeface="+mn-ea"/>
+              </a:rPr>
+              <a:t>异常处理嵌套 </a:t>
+            </a:r>
+            <a:endParaRPr lang="en-US" altLang="zh-CN" sz="2000">
+              <a:solidFill>
+                <a:srgbClr val="FF0000"/>
+              </a:solidFill>
+            </a:endParaRPr>
+          </a:p>
+        </p:txBody>
+      </p:sp>
+      <p:pic>
+        <p:nvPicPr>
+          <p:cNvPr id="6" name="图片 5" descr="}{0X{10APXPB_%B${K7`O4D"/>
+          <p:cNvPicPr>
+            <a:picLocks noChangeAspect="1"/>
+          </p:cNvPicPr>
+          <p:nvPr/>
+        </p:nvPicPr>
+        <p:blipFill>
+          <a:blip r:embed="rId1"/>
+          <a:stretch>
+            <a:fillRect/>
+          </a:stretch>
+        </p:blipFill>
+        <p:spPr>
+          <a:xfrm>
+            <a:off x="934085" y="1591310"/>
+            <a:ext cx="4997450" cy="3910965"/>
+          </a:xfrm>
+          <a:prstGeom prst="rect">
+            <a:avLst/>
+          </a:prstGeom>
+        </p:spPr>
+      </p:pic>
+      <p:pic>
+        <p:nvPicPr>
+          <p:cNvPr id="8" name="图片 7" descr="C@XJK1`3BBZBR(H9CKVBKMI"/>
+          <p:cNvPicPr>
+            <a:picLocks noChangeAspect="1"/>
+          </p:cNvPicPr>
+          <p:nvPr/>
+        </p:nvPicPr>
+        <p:blipFill>
+          <a:blip r:embed="rId2"/>
+          <a:stretch>
+            <a:fillRect/>
+          </a:stretch>
+        </p:blipFill>
+        <p:spPr>
+          <a:xfrm>
+            <a:off x="6096635" y="1591310"/>
+            <a:ext cx="4404995" cy="3910965"/>
+          </a:xfrm>
+          <a:prstGeom prst="rect">
+            <a:avLst/>
+          </a:prstGeom>
+        </p:spPr>
+      </p:pic>
+      <p:sp>
+        <p:nvSpPr>
+          <p:cNvPr id="9" name="文本框 8"/>
+          <p:cNvSpPr txBox="1"/>
+          <p:nvPr/>
+        </p:nvSpPr>
+        <p:spPr>
+          <a:xfrm>
+            <a:off x="9569450" y="3720465"/>
+            <a:ext cx="1771650" cy="706755"/>
+          </a:xfrm>
+          <a:prstGeom prst="rect">
+            <a:avLst/>
+          </a:prstGeom>
+          <a:noFill/>
+        </p:spPr>
+        <p:txBody>
+          <a:bodyPr wrap="square" rtlCol="0">
+            <a:spAutoFit/>
+          </a:bodyPr>
+          <a:p>
+            <a:r>
+              <a:rPr lang="zh-CN" sz="2000">
+                <a:solidFill>
+                  <a:srgbClr val="FF0000"/>
+                </a:solidFill>
+                <a:sym typeface="+mn-ea"/>
+              </a:rPr>
+              <a:t>此处是否能</a:t>
+            </a:r>
+            <a:endParaRPr lang="zh-CN" sz="2000">
+              <a:solidFill>
+                <a:srgbClr val="FF0000"/>
+              </a:solidFill>
+              <a:sym typeface="+mn-ea"/>
+            </a:endParaRPr>
+          </a:p>
+          <a:p>
+            <a:r>
+              <a:rPr lang="zh-CN" sz="2000">
+                <a:solidFill>
+                  <a:srgbClr val="FF0000"/>
+                </a:solidFill>
+                <a:sym typeface="+mn-ea"/>
+              </a:rPr>
+              <a:t>捕获到异常？</a:t>
+            </a:r>
+            <a:r>
+              <a:rPr lang="zh-CN" altLang="en-US" sz="2000">
+                <a:solidFill>
+                  <a:srgbClr val="FF0000"/>
+                </a:solidFill>
+                <a:sym typeface="+mn-ea"/>
+              </a:rPr>
+              <a:t> </a:t>
+            </a:r>
+            <a:endParaRPr lang="en-US" altLang="zh-CN" sz="2000">
+              <a:solidFill>
+                <a:srgbClr val="FF0000"/>
+              </a:solidFill>
+            </a:endParaRPr>
+          </a:p>
+        </p:txBody>
+      </p:sp>
+      <p:sp>
+        <p:nvSpPr>
+          <p:cNvPr id="10" name="文本框 9"/>
+          <p:cNvSpPr txBox="1"/>
+          <p:nvPr/>
+        </p:nvSpPr>
+        <p:spPr>
+          <a:xfrm>
+            <a:off x="3996690" y="4624705"/>
+            <a:ext cx="1771650" cy="706755"/>
+          </a:xfrm>
+          <a:prstGeom prst="rect">
+            <a:avLst/>
+          </a:prstGeom>
+          <a:noFill/>
+        </p:spPr>
+        <p:txBody>
+          <a:bodyPr wrap="square" rtlCol="0">
+            <a:spAutoFit/>
+          </a:bodyPr>
+          <a:p>
+            <a:r>
+              <a:rPr lang="zh-CN" sz="2000">
+                <a:solidFill>
+                  <a:srgbClr val="FF0000"/>
+                </a:solidFill>
+                <a:sym typeface="+mn-ea"/>
+              </a:rPr>
+              <a:t>此处是否能</a:t>
+            </a:r>
+            <a:endParaRPr lang="zh-CN" sz="2000">
+              <a:solidFill>
+                <a:srgbClr val="FF0000"/>
+              </a:solidFill>
+              <a:sym typeface="+mn-ea"/>
+            </a:endParaRPr>
+          </a:p>
+          <a:p>
+            <a:r>
+              <a:rPr lang="zh-CN" sz="2000">
+                <a:solidFill>
+                  <a:srgbClr val="FF0000"/>
+                </a:solidFill>
+                <a:sym typeface="+mn-ea"/>
+              </a:rPr>
+              <a:t>捕获到异常？</a:t>
+            </a:r>
+            <a:r>
+              <a:rPr lang="zh-CN" altLang="en-US" sz="2000">
+                <a:solidFill>
+                  <a:srgbClr val="FF0000"/>
+                </a:solidFill>
+                <a:sym typeface="+mn-ea"/>
+              </a:rPr>
+              <a:t> </a:t>
+            </a:r>
+            <a:endParaRPr lang="en-US" altLang="zh-CN" sz="2000">
+              <a:solidFill>
+                <a:srgbClr val="FF0000"/>
+              </a:solidFill>
+            </a:endParaRPr>
+          </a:p>
+        </p:txBody>
+      </p:sp>
+    </p:spTree>
+  </p:cSld>
+  <p:clrMapOvr>
+    <a:masterClrMapping/>
+  </p:clrMapOvr>
+  <p:timing>
+    <p:tnLst>
+      <p:par>
+        <p:cTn id="1" dur="indefinite" restart="never" nodeType="tmRoot">
+          <p:childTnLst>
+            <p:seq concurrent="1" nextAc="seek">
+              <p:cTn id="2" dur="indefinite" nodeType="mainSeq">
+                <p:childTnLst>
+                  <p:par>
+                    <p:cTn id="3" fill="hold">
+                      <p:stCondLst>
+                        <p:cond delay="indefinite"/>
+                      </p:stCondLst>
+                      <p:childTnLst>
+                        <p:par>
+                          <p:cTn id="4" fill="hold">
+                            <p:stCondLst>
+                              <p:cond delay="0"/>
+                            </p:stCondLst>
+                            <p:childTnLst>
+                              <p:par>
+                                <p:cTn id="5" presetID="2" presetClass="entr" presetSubtype="4" fill="hold" nodeType="clickEffect">
+                                  <p:stCondLst>
+                                    <p:cond delay="0"/>
+                                  </p:stCondLst>
+                                  <p:childTnLst>
+                                    <p:set>
+                                      <p:cBhvr>
+                                        <p:cTn id="6" dur="1" fill="hold">
+                                          <p:stCondLst>
+                                            <p:cond delay="0"/>
+                                          </p:stCondLst>
+                                        </p:cTn>
+                                        <p:tgtEl>
+                                          <p:spTgt spid="2">
+                                            <p:txEl>
+                                              <p:pRg st="0" end="0"/>
+                                            </p:txEl>
+                                          </p:spTgt>
+                                        </p:tgtEl>
+                                        <p:attrNameLst>
+                                          <p:attrName>style.visibility</p:attrName>
+                                        </p:attrNameLst>
+                                      </p:cBhvr>
+                                      <p:to>
+                                        <p:strVal val="visible"/>
+                                      </p:to>
+                                    </p:set>
+                                    <p:anim calcmode="lin" valueType="num">
+                                      <p:cBhvr additive="base">
+                                        <p:cTn id="7" dur="500" fill="hold"/>
+                                        <p:tgtEl>
+                                          <p:spTgt spid="2">
+                                            <p:txEl>
+                                              <p:pRg st="0" end="0"/>
+                                            </p:txEl>
+                                          </p:spTgt>
+                                        </p:tgtEl>
+                                        <p:attrNameLst>
+                                          <p:attrName>ppt_x</p:attrName>
+                                        </p:attrNameLst>
+                                      </p:cBhvr>
+                                      <p:tavLst>
+                                        <p:tav tm="0">
+                                          <p:val>
+                                            <p:strVal val="#ppt_x"/>
+                                          </p:val>
+                                        </p:tav>
+                                        <p:tav tm="100000">
+                                          <p:val>
+                                            <p:strVal val="#ppt_x"/>
+                                          </p:val>
+                                        </p:tav>
+                                      </p:tavLst>
+                                    </p:anim>
+                                    <p:anim calcmode="lin" valueType="num">
+                                      <p:cBhvr additive="base">
+                                        <p:cTn id="8" dur="500" fill="hold"/>
+                                        <p:tgtEl>
+                                          <p:spTgt spid="2">
+                                            <p:txEl>
+                                              <p:pRg st="0" end="0"/>
+                                            </p:txEl>
+                                          </p:spTgt>
+                                        </p:tgtEl>
+                                        <p:attrNameLst>
+                                          <p:attrName>ppt_y</p:attrName>
+                                        </p:attrNameLst>
+                                      </p:cBhvr>
+                                      <p:tavLst>
+                                        <p:tav tm="0">
+                                          <p:val>
+                                            <p:strVal val="1+#ppt_h/2"/>
+                                          </p:val>
+                                        </p:tav>
+                                        <p:tav tm="100000">
+                                          <p:val>
+                                            <p:strVal val="#ppt_y"/>
+                                          </p:val>
+                                        </p:tav>
+                                      </p:tavLst>
+                                    </p:anim>
+                                  </p:childTnLst>
+                                </p:cTn>
+                              </p:par>
+                            </p:childTnLst>
+                          </p:cTn>
+                        </p:par>
+                      </p:childTnLst>
+                    </p:cTn>
+                  </p:par>
+                  <p:par>
+                    <p:cTn id="9" fill="hold">
+                      <p:stCondLst>
+                        <p:cond delay="indefinite"/>
+                      </p:stCondLst>
+                      <p:childTnLst>
+                        <p:par>
+                          <p:cTn id="10" fill="hold">
+                            <p:stCondLst>
+                              <p:cond delay="0"/>
+                            </p:stCondLst>
+                            <p:childTnLst>
+                              <p:par>
+                                <p:cTn id="11" presetID="2" presetClass="entr" presetSubtype="4" fill="hold" nodeType="clickEffect">
+                                  <p:stCondLst>
+                                    <p:cond delay="0"/>
+                                  </p:stCondLst>
+                                  <p:childTnLst>
+                                    <p:set>
+                                      <p:cBhvr>
+                                        <p:cTn id="12" dur="1" fill="hold">
+                                          <p:stCondLst>
+                                            <p:cond delay="0"/>
+                                          </p:stCondLst>
+                                        </p:cTn>
+                                        <p:tgtEl>
+                                          <p:spTgt spid="6"/>
+                                        </p:tgtEl>
+                                        <p:attrNameLst>
+                                          <p:attrName>style.visibility</p:attrName>
+                                        </p:attrNameLst>
+                                      </p:cBhvr>
+                                      <p:to>
+                                        <p:strVal val="visible"/>
+                                      </p:to>
+                                    </p:set>
+                                    <p:anim calcmode="lin" valueType="num">
+                                      <p:cBhvr additive="base">
+                                        <p:cTn id="13" dur="500" fill="hold"/>
+                                        <p:tgtEl>
+                                          <p:spTgt spid="6"/>
+                                        </p:tgtEl>
+                                        <p:attrNameLst>
+                                          <p:attrName>ppt_x</p:attrName>
+                                        </p:attrNameLst>
+                                      </p:cBhvr>
+                                      <p:tavLst>
+                                        <p:tav tm="0">
+                                          <p:val>
+                                            <p:strVal val="#ppt_x"/>
+                                          </p:val>
+                                        </p:tav>
+                                        <p:tav tm="100000">
+                                          <p:val>
+                                            <p:strVal val="#ppt_x"/>
+                                          </p:val>
+                                        </p:tav>
+                                      </p:tavLst>
+                                    </p:anim>
+                                    <p:anim calcmode="lin" valueType="num">
+                                      <p:cBhvr additive="base">
+                                        <p:cTn id="14" dur="500" fill="hold"/>
+                                        <p:tgtEl>
+                                          <p:spTgt spid="6"/>
+                                        </p:tgtEl>
+                                        <p:attrNameLst>
+                                          <p:attrName>ppt_y</p:attrName>
+                                        </p:attrNameLst>
+                                      </p:cBhvr>
+                                      <p:tavLst>
+                                        <p:tav tm="0">
+                                          <p:val>
+                                            <p:strVal val="1+#ppt_h/2"/>
+                                          </p:val>
+                                        </p:tav>
+                                        <p:tav tm="100000">
+                                          <p:val>
+                                            <p:strVal val="#ppt_y"/>
+                                          </p:val>
+                                        </p:tav>
+                                      </p:tavLst>
+                                    </p:anim>
+                                  </p:childTnLst>
+                                </p:cTn>
+                              </p:par>
+                            </p:childTnLst>
+                          </p:cTn>
+                        </p:par>
+                        <p:par>
+                          <p:cTn id="15" fill="hold">
+                            <p:stCondLst>
+                              <p:cond delay="500"/>
+                            </p:stCondLst>
+                            <p:childTnLst>
+                              <p:par>
+                                <p:cTn id="16" presetID="2" presetClass="entr" presetSubtype="4" fill="hold" nodeType="afterEffect">
+                                  <p:stCondLst>
+                                    <p:cond delay="0"/>
+                                  </p:stCondLst>
+                                  <p:childTnLst>
+                                    <p:set>
+                                      <p:cBhvr>
+                                        <p:cTn id="17" dur="1" fill="hold">
+                                          <p:stCondLst>
+                                            <p:cond delay="0"/>
+                                          </p:stCondLst>
+                                        </p:cTn>
+                                        <p:tgtEl>
+                                          <p:spTgt spid="8"/>
+                                        </p:tgtEl>
+                                        <p:attrNameLst>
+                                          <p:attrName>style.visibility</p:attrName>
+                                        </p:attrNameLst>
+                                      </p:cBhvr>
+                                      <p:to>
+                                        <p:strVal val="visible"/>
+                                      </p:to>
+                                    </p:set>
+                                    <p:anim calcmode="lin" valueType="num">
+                                      <p:cBhvr additive="base">
+                                        <p:cTn id="18" dur="500" fill="hold"/>
+                                        <p:tgtEl>
+                                          <p:spTgt spid="8"/>
+                                        </p:tgtEl>
+                                        <p:attrNameLst>
+                                          <p:attrName>ppt_x</p:attrName>
+                                        </p:attrNameLst>
+                                      </p:cBhvr>
+                                      <p:tavLst>
+                                        <p:tav tm="0">
+                                          <p:val>
+                                            <p:strVal val="#ppt_x"/>
+                                          </p:val>
+                                        </p:tav>
+                                        <p:tav tm="100000">
+                                          <p:val>
+                                            <p:strVal val="#ppt_x"/>
+                                          </p:val>
+                                        </p:tav>
+                                      </p:tavLst>
+                                    </p:anim>
+                                    <p:anim calcmode="lin" valueType="num">
+                                      <p:cBhvr additive="base">
+                                        <p:cTn id="19" dur="500" fill="hold"/>
+                                        <p:tgtEl>
+                                          <p:spTgt spid="8"/>
+                                        </p:tgtEl>
+                                        <p:attrNameLst>
+                                          <p:attrName>ppt_y</p:attrName>
+                                        </p:attrNameLst>
+                                      </p:cBhvr>
+                                      <p:tavLst>
+                                        <p:tav tm="0">
+                                          <p:val>
+                                            <p:strVal val="1+#ppt_h/2"/>
+                                          </p:val>
+                                        </p:tav>
+                                        <p:tav tm="100000">
+                                          <p:val>
+                                            <p:strVal val="#ppt_y"/>
+                                          </p:val>
+                                        </p:tav>
+                                      </p:tavLst>
+                                    </p:anim>
+                                  </p:childTnLst>
+                                </p:cTn>
+                              </p:par>
+                            </p:childTnLst>
+                          </p:cTn>
+                        </p:par>
+                        <p:par>
+                          <p:cTn id="20" fill="hold">
+                            <p:stCondLst>
+                              <p:cond delay="1000"/>
+                            </p:stCondLst>
+                            <p:childTnLst>
+                              <p:par>
+                                <p:cTn id="21" presetID="2" presetClass="entr" presetSubtype="4" fill="hold" grpId="0" nodeType="afterEffect">
+                                  <p:stCondLst>
+                                    <p:cond delay="0"/>
+                                  </p:stCondLst>
+                                  <p:childTnLst>
+                                    <p:set>
+                                      <p:cBhvr>
+                                        <p:cTn id="22" dur="1" fill="hold">
+                                          <p:stCondLst>
+                                            <p:cond delay="0"/>
+                                          </p:stCondLst>
+                                        </p:cTn>
+                                        <p:tgtEl>
+                                          <p:spTgt spid="10"/>
+                                        </p:tgtEl>
+                                        <p:attrNameLst>
+                                          <p:attrName>style.visibility</p:attrName>
+                                        </p:attrNameLst>
+                                      </p:cBhvr>
+                                      <p:to>
+                                        <p:strVal val="visible"/>
+                                      </p:to>
+                                    </p:set>
+                                    <p:anim calcmode="lin" valueType="num">
+                                      <p:cBhvr additive="base">
+                                        <p:cTn id="23" dur="500" fill="hold"/>
+                                        <p:tgtEl>
+                                          <p:spTgt spid="10"/>
+                                        </p:tgtEl>
+                                        <p:attrNameLst>
+                                          <p:attrName>ppt_x</p:attrName>
+                                        </p:attrNameLst>
+                                      </p:cBhvr>
+                                      <p:tavLst>
+                                        <p:tav tm="0">
+                                          <p:val>
+                                            <p:strVal val="#ppt_x"/>
+                                          </p:val>
+                                        </p:tav>
+                                        <p:tav tm="100000">
+                                          <p:val>
+                                            <p:strVal val="#ppt_x"/>
+                                          </p:val>
+                                        </p:tav>
+                                      </p:tavLst>
+                                    </p:anim>
+                                    <p:anim calcmode="lin" valueType="num">
+                                      <p:cBhvr additive="base">
+                                        <p:cTn id="24" dur="500" fill="hold"/>
+                                        <p:tgtEl>
+                                          <p:spTgt spid="10"/>
+                                        </p:tgtEl>
+                                        <p:attrNameLst>
+                                          <p:attrName>ppt_y</p:attrName>
+                                        </p:attrNameLst>
+                                      </p:cBhvr>
+                                      <p:tavLst>
+                                        <p:tav tm="0">
+                                          <p:val>
+                                            <p:strVal val="1+#ppt_h/2"/>
+                                          </p:val>
+                                        </p:tav>
+                                        <p:tav tm="100000">
+                                          <p:val>
+                                            <p:strVal val="#ppt_y"/>
+                                          </p:val>
+                                        </p:tav>
+                                      </p:tavLst>
+                                    </p:anim>
+                                  </p:childTnLst>
+                                </p:cTn>
+                              </p:par>
+                            </p:childTnLst>
+                          </p:cTn>
+                        </p:par>
+                        <p:par>
+                          <p:cTn id="25" fill="hold">
+                            <p:stCondLst>
+                              <p:cond delay="1500"/>
+                            </p:stCondLst>
+                            <p:childTnLst>
+                              <p:par>
+                                <p:cTn id="26" presetID="2" presetClass="entr" presetSubtype="4" fill="hold" grpId="0" nodeType="afterEffect">
+                                  <p:stCondLst>
+                                    <p:cond delay="0"/>
+                                  </p:stCondLst>
+                                  <p:childTnLst>
+                                    <p:set>
+                                      <p:cBhvr>
+                                        <p:cTn id="27" dur="1" fill="hold">
+                                          <p:stCondLst>
+                                            <p:cond delay="0"/>
+                                          </p:stCondLst>
+                                        </p:cTn>
+                                        <p:tgtEl>
+                                          <p:spTgt spid="9"/>
+                                        </p:tgtEl>
+                                        <p:attrNameLst>
+                                          <p:attrName>style.visibility</p:attrName>
+                                        </p:attrNameLst>
+                                      </p:cBhvr>
+                                      <p:to>
+                                        <p:strVal val="visible"/>
+                                      </p:to>
+                                    </p:set>
+                                    <p:anim calcmode="lin" valueType="num">
+                                      <p:cBhvr additive="base">
+                                        <p:cTn id="28" dur="500" fill="hold"/>
+                                        <p:tgtEl>
+                                          <p:spTgt spid="9"/>
+                                        </p:tgtEl>
+                                        <p:attrNameLst>
+                                          <p:attrName>ppt_x</p:attrName>
+                                        </p:attrNameLst>
+                                      </p:cBhvr>
+                                      <p:tavLst>
+                                        <p:tav tm="0">
+                                          <p:val>
+                                            <p:strVal val="#ppt_x"/>
+                                          </p:val>
+                                        </p:tav>
+                                        <p:tav tm="100000">
+                                          <p:val>
+                                            <p:strVal val="#ppt_x"/>
+                                          </p:val>
+                                        </p:tav>
+                                      </p:tavLst>
+                                    </p:anim>
+                                    <p:anim calcmode="lin" valueType="num">
+                                      <p:cBhvr additive="base">
+                                        <p:cTn id="29" dur="500" fill="hold"/>
+                                        <p:tgtEl>
+                                          <p:spTgt spid="9"/>
+                                        </p:tgtEl>
+                                        <p:attrNameLst>
+                                          <p:attrName>ppt_y</p:attrName>
+                                        </p:attrNameLst>
+                                      </p:cBhvr>
+                                      <p:tavLst>
+                                        <p:tav tm="0">
+                                          <p:val>
+                                            <p:strVal val="1+#ppt_h/2"/>
+                                          </p:val>
+                                        </p:tav>
+                                        <p:tav tm="100000">
+                                          <p:val>
+                                            <p:strVal val="#ppt_y"/>
+                                          </p:val>
+                                        </p:tav>
+                                      </p:tavLst>
+                                    </p:anim>
+                                  </p:childTnLst>
+                                </p:cTn>
+                              </p:par>
+                            </p:childTnLst>
+                          </p:cTn>
+                        </p:par>
+                      </p:childTnLst>
+                    </p:cTn>
+                  </p:par>
+                  <p:par>
+                    <p:cTn id="30" fill="hold">
+                      <p:stCondLst>
+                        <p:cond delay="indefinite"/>
+                      </p:stCondLst>
+                      <p:childTnLst>
+                        <p:par>
+                          <p:cTn id="31" fill="hold">
+                            <p:stCondLst>
+                              <p:cond delay="0"/>
+                            </p:stCondLst>
+                            <p:childTnLst>
+                              <p:par>
+                                <p:cTn id="32" presetID="2" presetClass="entr" presetSubtype="4" fill="hold" grpId="0" nodeType="clickEffect">
+                                  <p:stCondLst>
+                                    <p:cond delay="0"/>
+                                  </p:stCondLst>
+                                  <p:childTnLst>
+                                    <p:set>
+                                      <p:cBhvr>
+                                        <p:cTn id="33" dur="1" fill="hold">
+                                          <p:stCondLst>
+                                            <p:cond delay="0"/>
+                                          </p:stCondLst>
+                                        </p:cTn>
+                                        <p:tgtEl>
+                                          <p:spTgt spid="4"/>
+                                        </p:tgtEl>
+                                        <p:attrNameLst>
+                                          <p:attrName>style.visibility</p:attrName>
+                                        </p:attrNameLst>
+                                      </p:cBhvr>
+                                      <p:to>
+                                        <p:strVal val="visible"/>
+                                      </p:to>
+                                    </p:set>
+                                    <p:anim calcmode="lin" valueType="num">
+                                      <p:cBhvr additive="base">
+                                        <p:cTn id="34" dur="500" fill="hold"/>
+                                        <p:tgtEl>
+                                          <p:spTgt spid="4"/>
+                                        </p:tgtEl>
+                                        <p:attrNameLst>
+                                          <p:attrName>ppt_x</p:attrName>
+                                        </p:attrNameLst>
+                                      </p:cBhvr>
+                                      <p:tavLst>
+                                        <p:tav tm="0">
+                                          <p:val>
+                                            <p:strVal val="#ppt_x"/>
+                                          </p:val>
+                                        </p:tav>
+                                        <p:tav tm="100000">
+                                          <p:val>
+                                            <p:strVal val="#ppt_x"/>
+                                          </p:val>
+                                        </p:tav>
+                                      </p:tavLst>
+                                    </p:anim>
+                                    <p:anim calcmode="lin" valueType="num">
+                                      <p:cBhvr additive="base">
+                                        <p:cTn id="35" dur="500" fill="hold"/>
+                                        <p:tgtEl>
+                                          <p:spTgt spid="4"/>
+                                        </p:tgtEl>
+                                        <p:attrNameLst>
+                                          <p:attrName>ppt_y</p:attrName>
+                                        </p:attrNameLst>
+                                      </p:cBhvr>
+                                      <p:tavLst>
+                                        <p:tav tm="0">
+                                          <p:val>
+                                            <p:strVal val="1+#ppt_h/2"/>
+                                          </p:val>
+                                        </p:tav>
+                                        <p:tav tm="100000">
+                                          <p:val>
+                                            <p:strVal val="#ppt_y"/>
+                                          </p:val>
+                                        </p:tav>
+                                      </p:tavLst>
+                                    </p:anim>
+                                  </p:childTnLst>
+                                </p:cTn>
+                              </p:par>
+                            </p:childTnLst>
+                          </p:cTn>
+                        </p:par>
+                      </p:childTnLst>
+                    </p:cTn>
+                  </p:par>
+                </p:childTnLst>
+              </p:cTn>
+              <p:prevCondLst>
+                <p:cond evt="onPrev" delay="0">
+                  <p:tgtEl>
+                    <p:sldTgt/>
+                  </p:tgtEl>
+                </p:cond>
+              </p:prevCondLst>
+              <p:nextCondLst>
+                <p:cond evt="onNext" delay="0">
+                  <p:tgtEl>
+                    <p:sldTgt/>
+                  </p:tgtEl>
+                </p:cond>
+              </p:nextCondLst>
+            </p:seq>
+          </p:childTnLst>
+        </p:cTn>
+      </p:par>
+    </p:tnLst>
+    <p:bldLst>
+      <p:bldP spid="4" grpId="0"/>
+      <p:bldP spid="9" grpId="0"/>
+      <p:bldP spid="10" grpId="0"/>
+    </p:bldLst>
+  </p:timing>
+</p:sld>
+</file>
+
+<file path=ppt/slides/slide6.xml><?xml version="1.0" encoding="utf-8"?>
 <p:sld xmlns:a="http://schemas.openxmlformats.org/drawingml/2006/main" xmlns:r="http://schemas.openxmlformats.org/officeDocument/2006/relationships" xmlns:p="http://schemas.openxmlformats.org/presentationml/2006/main">
   <p:cSld>
     <p:spTree>
@@ -5310,7 +7179,7 @@
 </p:sld>
 </file>
 
-<file path=ppt/slides/slide5.xml><?xml version="1.0" encoding="utf-8"?>
+<file path=ppt/slides/slide7.xml><?xml version="1.0" encoding="utf-8"?>
 <p:sld xmlns:a="http://schemas.openxmlformats.org/drawingml/2006/main" xmlns:r="http://schemas.openxmlformats.org/officeDocument/2006/relationships" xmlns:p="http://schemas.openxmlformats.org/presentationml/2006/main">
   <p:cSld>
     <p:spTree>
@@ -5791,7 +7660,7 @@
 </p:sld>
 </file>
 
-<file path=ppt/slides/slide6.xml><?xml version="1.0" encoding="utf-8"?>
+<file path=ppt/slides/slide8.xml><?xml version="1.0" encoding="utf-8"?>
 <p:sld xmlns:a="http://schemas.openxmlformats.org/drawingml/2006/main" xmlns:r="http://schemas.openxmlformats.org/officeDocument/2006/relationships" xmlns:p="http://schemas.openxmlformats.org/presentationml/2006/main">
   <p:cSld>
     <p:spTree>
@@ -5866,7 +7735,25 @@
                 </a:solidFill>
                 <a:sym typeface="+mn-ea"/>
               </a:rPr>
-              <a:t>- 当 JavaScript 引擎执行 JavaScript 代码时，会发生各种错误</a:t>
+              <a:t>- 当 JavaScript 引擎执行 JavaScript 代码时，</a:t>
+            </a:r>
+            <a:r>
+              <a:rPr lang="zh-CN" altLang="en-US" sz="1800" dirty="0">
+                <a:solidFill>
+                  <a:schemeClr val="tx1"/>
+                </a:solidFill>
+                <a:sym typeface="+mn-ea"/>
+              </a:rPr>
+              <a:t>可能</a:t>
+            </a:r>
+            <a:r>
+              <a:rPr lang="en-US" altLang="zh-CN" sz="1800" dirty="0">
+                <a:solidFill>
+                  <a:schemeClr val="tx1"/>
+                </a:solidFill>
+                <a:sym typeface="+mn-ea"/>
+              </a:rPr>
+              <a:t>会发生各种错误</a:t>
             </a:r>
             <a:br>
               <a:rPr lang="en-US" altLang="zh-CN" sz="1800" dirty="0">
@@ -6767,7 +8654,7 @@
 </p:sld>
 </file>
 
-<file path=ppt/slides/slide7.xml><?xml version="1.0" encoding="utf-8"?>
+<file path=ppt/slides/slide9.xml><?xml version="1.0" encoding="utf-8"?>
 <p:sld xmlns:a="http://schemas.openxmlformats.org/drawingml/2006/main" xmlns:r="http://schemas.openxmlformats.org/officeDocument/2006/relationships" xmlns:p="http://schemas.openxmlformats.org/presentationml/2006/main">
   <p:cSld>
     <p:spTree>
@@ -6913,7 +8800,25 @@
                 </a:solidFill>
                 <a:sym typeface="+mn-ea"/>
               </a:rPr>
-              <a:t>- URIError </a:t>
+              <a:t>- </a:t>
+            </a:r>
+            <a:r>
+              <a:rPr lang="en-US" altLang="zh-CN" sz="2000" dirty="0">
+                <a:solidFill>
+                  <a:srgbClr val="FF0000"/>
+                </a:solidFill>
+                <a:sym typeface="+mn-ea"/>
+              </a:rPr>
+              <a:t>URIError</a:t>
+            </a:r>
+            <a:r>
+              <a:rPr lang="en-US" altLang="zh-CN" sz="2000" dirty="0">
+                <a:solidFill>
+                  <a:schemeClr val="tx1"/>
+                </a:solidFill>
+                <a:sym typeface="+mn-ea"/>
+              </a:rPr>
+              <a:t> </a:t>
             </a:r>
             <a:r>
               <a:rPr lang="zh-CN" altLang="en-US" sz="2000" dirty="0">
@@ -6927,11 +8832,20 @@
             <a:r>
               <a:rPr lang="en-US" altLang="zh-CN" sz="2000" dirty="0">
                 <a:solidFill>
-                  <a:schemeClr val="tx1"/>
+                  <a:srgbClr val="FF0000"/>
                 </a:solidFill>
                 <a:sym typeface="+mn-ea"/>
               </a:rPr>
-              <a:t>EvalError  </a:t>
+              <a:t>EvalError</a:t>
+            </a:r>
+            <a:r>
+              <a:rPr lang="en-US" altLang="zh-CN" sz="2000" dirty="0">
+                <a:solidFill>
+                  <a:schemeClr val="tx1"/>
+                </a:solidFill>
+                <a:sym typeface="+mn-ea"/>
+              </a:rPr>
+              <a:t>  </a:t>
             </a:r>
             <a:r>
               <a:rPr lang="zh-CN" altLang="en-US" sz="2000" dirty="0">
@@ -7669,210 +9583,6 @@
     <p:bldLst>
       <p:bldP spid="6" grpId="0"/>
     </p:bldLst>
-  </p:timing>
-</p:sld>
-</file>
-
-<file path=ppt/slides/slide8.xml><?xml version="1.0" encoding="utf-8"?>
-<p:sld xmlns:a="http://schemas.openxmlformats.org/drawingml/2006/main" xmlns:r="http://schemas.openxmlformats.org/officeDocument/2006/relationships" xmlns:p="http://schemas.openxmlformats.org/presentationml/2006/main">
-  <p:cSld>
-    <p:spTree>
-      <p:nvGrpSpPr>
-        <p:cNvPr id="1" name=""/>
-        <p:cNvGrpSpPr/>
-        <p:nvPr/>
-      </p:nvGrpSpPr>
-      <p:grpSpPr>
-        <a:xfrm>
-          <a:off x="0" y="0"/>
-          <a:ext cx="0" cy="0"/>
-          <a:chOff x="0" y="0"/>
-          <a:chExt cx="0" cy="0"/>
-        </a:xfrm>
-      </p:grpSpPr>
-      <p:pic>
-        <p:nvPicPr>
-          <p:cNvPr id="38914" name="Picture 5"/>
-          <p:cNvPicPr>
-            <a:picLocks noChangeAspect="1" noChangeArrowheads="1"/>
-          </p:cNvPicPr>
-          <p:nvPr/>
-        </p:nvPicPr>
-        <p:blipFill>
-          <a:blip r:embed="rId1">
-            <a:extLst>
-              <a:ext uri="{28A0092B-C50C-407E-A947-70E740481C1C}">
-                <a14:useLocalDpi xmlns:a14="http://schemas.microsoft.com/office/drawing/2010/main" val="0"/>
-              </a:ext>
-            </a:extLst>
-          </a:blip>
-          <a:srcRect/>
-          <a:stretch>
-            <a:fillRect/>
-          </a:stretch>
-        </p:blipFill>
-        <p:spPr bwMode="auto">
-          <a:xfrm>
-            <a:off x="0" y="0"/>
-            <a:ext cx="12192000" cy="6858000"/>
-          </a:xfrm>
-          <a:prstGeom prst="rect">
-            <a:avLst/>
-          </a:prstGeom>
-          <a:noFill/>
-          <a:ln>
-            <a:noFill/>
-          </a:ln>
-          <a:extLst>
-            <a:ext uri="{909E8E84-426E-40DD-AFC4-6F175D3DCCD1}">
-              <a14:hiddenFill xmlns:a14="http://schemas.microsoft.com/office/drawing/2010/main">
-                <a:solidFill>
-                  <a:srgbClr val="FFFFFF"/>
-                </a:solidFill>
-              </a14:hiddenFill>
-            </a:ext>
-            <a:ext uri="{91240B29-F687-4F45-9708-019B960494DF}">
-              <a14:hiddenLine xmlns:a14="http://schemas.microsoft.com/office/drawing/2010/main" w="9525">
-                <a:solidFill>
-                  <a:srgbClr val="000000"/>
-                </a:solidFill>
-                <a:miter lim="800000"/>
-                <a:headEnd/>
-                <a:tailEnd/>
-              </a14:hiddenLine>
-            </a:ext>
-          </a:extLst>
-        </p:spPr>
-      </p:pic>
-      <p:sp>
-        <p:nvSpPr>
-          <p:cNvPr id="38915" name="Rectangle 6"/>
-          <p:cNvSpPr>
-            <a:spLocks noGrp="1" noChangeArrowheads="1"/>
-          </p:cNvSpPr>
-          <p:nvPr>
-            <p:ph type="ctrTitle" idx="4294967295"/>
-          </p:nvPr>
-        </p:nvSpPr>
-        <p:spPr bwMode="auto">
-          <a:xfrm>
-            <a:off x="2547041" y="3068835"/>
-            <a:ext cx="7097918" cy="1285875"/>
-          </a:xfrm>
-          <a:prstGeom prst="rect">
-            <a:avLst/>
-          </a:prstGeom>
-          <a:noFill/>
-          <a:extLst>
-            <a:ext uri="{909E8E84-426E-40DD-AFC4-6F175D3DCCD1}">
-              <a14:hiddenFill xmlns:a14="http://schemas.microsoft.com/office/drawing/2010/main">
-                <a:solidFill>
-                  <a:srgbClr val="FFFFFF"/>
-                </a:solidFill>
-              </a14:hiddenFill>
-            </a:ext>
-            <a:ext uri="{91240B29-F687-4F45-9708-019B960494DF}">
-              <a14:hiddenLine xmlns:a14="http://schemas.microsoft.com/office/drawing/2010/main" w="9525">
-                <a:solidFill>
-                  <a:srgbClr val="000000"/>
-                </a:solidFill>
-                <a:miter lim="800000"/>
-                <a:headEnd/>
-                <a:tailEnd/>
-              </a14:hiddenLine>
-            </a:ext>
-          </a:extLst>
-        </p:spPr>
-        <p:txBody>
-          <a:bodyPr anchor="b"/>
-          <a:lstStyle/>
-          <a:p>
-            <a:pPr algn="ctr" eaLnBrk="1" hangingPunct="1"/>
-            <a:r>
-              <a:rPr kumimoji="0" lang="en-US" altLang="zh-CN" sz="5400" dirty="0"/>
-              <a:t>Thank </a:t>
-            </a:r>
-            <a:r>
-              <a:rPr kumimoji="0" lang="en-US" altLang="zh-CN" sz="5400" dirty="0">
-                <a:solidFill>
-                  <a:srgbClr val="FF0000"/>
-                </a:solidFill>
-              </a:rPr>
-              <a:t>You</a:t>
-            </a:r>
-            <a:r>
-              <a:rPr kumimoji="0" lang="zh-CN" altLang="en-US" sz="5400" dirty="0"/>
-              <a:t>！</a:t>
-            </a:r>
-            <a:endParaRPr kumimoji="0" lang="zh-CN" altLang="zh-CN" sz="5400" dirty="0"/>
-          </a:p>
-        </p:txBody>
-      </p:sp>
-      <p:pic>
-        <p:nvPicPr>
-          <p:cNvPr id="38916" name="图片 3" descr="软院logo横版.png"/>
-          <p:cNvPicPr>
-            <a:picLocks noChangeAspect="1"/>
-          </p:cNvPicPr>
-          <p:nvPr/>
-        </p:nvPicPr>
-        <p:blipFill>
-          <a:blip r:embed="rId2">
-            <a:extLst>
-              <a:ext uri="{28A0092B-C50C-407E-A947-70E740481C1C}">
-                <a14:useLocalDpi xmlns:a14="http://schemas.microsoft.com/office/drawing/2010/main" val="0"/>
-              </a:ext>
-            </a:extLst>
-          </a:blip>
-          <a:srcRect/>
-          <a:stretch>
-            <a:fillRect/>
-          </a:stretch>
-        </p:blipFill>
-        <p:spPr bwMode="auto">
-          <a:xfrm>
-            <a:off x="2062164" y="5927725"/>
-            <a:ext cx="3381375" cy="527050"/>
-          </a:xfrm>
-          <a:prstGeom prst="rect">
-            <a:avLst/>
-          </a:prstGeom>
-          <a:noFill/>
-          <a:ln>
-            <a:noFill/>
-          </a:ln>
-          <a:extLst>
-            <a:ext uri="{909E8E84-426E-40DD-AFC4-6F175D3DCCD1}">
-              <a14:hiddenFill xmlns:a14="http://schemas.microsoft.com/office/drawing/2010/main">
-                <a:solidFill>
-                  <a:srgbClr val="FFFFFF"/>
-                </a:solidFill>
-              </a14:hiddenFill>
-            </a:ext>
-            <a:ext uri="{91240B29-F687-4F45-9708-019B960494DF}">
-              <a14:hiddenLine xmlns:a14="http://schemas.microsoft.com/office/drawing/2010/main" w="9525">
-                <a:solidFill>
-                  <a:srgbClr val="000000"/>
-                </a:solidFill>
-                <a:miter lim="800000"/>
-                <a:headEnd/>
-                <a:tailEnd/>
-              </a14:hiddenLine>
-            </a:ext>
-          </a:extLst>
-        </p:spPr>
-      </p:pic>
-    </p:spTree>
-  </p:cSld>
-  <p:clrMapOvr>
-    <a:masterClrMapping/>
-  </p:clrMapOvr>
-  <p:timing>
-    <p:tnLst>
-      <p:par>
-        <p:cTn id="1" dur="indefinite" restart="never" nodeType="tmRoot"/>
-      </p:par>
-    </p:tnLst>
   </p:timing>
 </p:sld>
 </file>
